--- a/Cosmos DB for C# developers.pptx
+++ b/Cosmos DB for C# developers.pptx
@@ -12,19 +12,19 @@
     <p:sldId id="260" r:id="rId6"/>
     <p:sldId id="278" r:id="rId7"/>
     <p:sldId id="261" r:id="rId8"/>
-    <p:sldId id="262" r:id="rId9"/>
-    <p:sldId id="281" r:id="rId10"/>
-    <p:sldId id="263" r:id="rId11"/>
-    <p:sldId id="265" r:id="rId12"/>
-    <p:sldId id="266" r:id="rId13"/>
-    <p:sldId id="267" r:id="rId14"/>
-    <p:sldId id="268" r:id="rId15"/>
-    <p:sldId id="282" r:id="rId16"/>
-    <p:sldId id="269" r:id="rId17"/>
-    <p:sldId id="270" r:id="rId18"/>
-    <p:sldId id="271" r:id="rId19"/>
-    <p:sldId id="272" r:id="rId20"/>
-    <p:sldId id="273" r:id="rId21"/>
+    <p:sldId id="265" r:id="rId9"/>
+    <p:sldId id="269" r:id="rId10"/>
+    <p:sldId id="270" r:id="rId11"/>
+    <p:sldId id="271" r:id="rId12"/>
+    <p:sldId id="272" r:id="rId13"/>
+    <p:sldId id="273" r:id="rId14"/>
+    <p:sldId id="281" r:id="rId15"/>
+    <p:sldId id="263" r:id="rId16"/>
+    <p:sldId id="266" r:id="rId17"/>
+    <p:sldId id="267" r:id="rId18"/>
+    <p:sldId id="268" r:id="rId19"/>
+    <p:sldId id="282" r:id="rId20"/>
+    <p:sldId id="262" r:id="rId21"/>
     <p:sldId id="274" r:id="rId22"/>
     <p:sldId id="275" r:id="rId23"/>
     <p:sldId id="276" r:id="rId24"/>
@@ -139,9 +139,13 @@
 <file path=ppt/revisionInfo.xml><?xml version="1.0" encoding="utf-8"?>
 <p1510:revInfo xmlns:a="http://schemas.openxmlformats.org/drawingml/2006/main" xmlns:r="http://schemas.openxmlformats.org/officeDocument/2006/relationships" xmlns:p1510="http://schemas.microsoft.com/office/powerpoint/2015/10/main">
   <p1510:revLst>
+    <p1510:client id="{0D92DC5A-DCD0-4FB1-86CC-0AF8F437B563}" v="27" dt="2022-03-27T12:07:26.092"/>
+    <p1510:client id="{16CC8181-0C05-4CD4-B011-4677F2E77692}" v="128" dt="2022-03-27T16:47:31.218"/>
     <p1510:client id="{18C8B610-B708-4EDA-8764-B8A5F5774F87}" v="10" dt="2022-03-25T14:43:56.656"/>
     <p1510:client id="{1920ABBF-50F9-49FB-9678-9FCD924D490F}" v="37" dt="2022-03-25T19:23:18.466"/>
     <p1510:client id="{3068E453-B052-4D6F-9E39-1C46E62C0E6D}" v="2055" dt="2022-02-24T22:54:38.840"/>
+    <p1510:client id="{31792FE7-1FD2-4EED-8148-1BCE3AC3737E}" v="44" dt="2022-03-27T20:32:09.041"/>
+    <p1510:client id="{3FF5C8CB-CCD1-4753-9E84-23E5A280435A}" v="6" dt="2022-03-27T13:21:12.129"/>
     <p1510:client id="{7C6BD868-296D-481F-A82A-D49E04B41DB1}" v="319" dt="2022-03-24T19:31:02.249"/>
     <p1510:client id="{8BB7848C-4022-4656-A5FC-F1EC1ABD5AD5}" v="28" dt="2022-03-25T21:12:09.064"/>
     <p1510:client id="{B00F4789-BE57-4901-AA4A-016F7AC4C82D}" v="182" dt="2022-03-25T20:30:14.977"/>
@@ -282,7 +286,7 @@
           <a:p>
             <a:fld id="{846CE7D5-CF57-46EF-B807-FDD0502418D4}" type="datetimeFigureOut">
               <a:rPr lang="en-US" smtClean="0"/>
-              <a:t>3/25/2022</a:t>
+              <a:t>3/27/2022</a:t>
             </a:fld>
             <a:endParaRPr lang="en-US"/>
           </a:p>
@@ -452,7 +456,7 @@
           <a:p>
             <a:fld id="{846CE7D5-CF57-46EF-B807-FDD0502418D4}" type="datetimeFigureOut">
               <a:rPr lang="en-US" smtClean="0"/>
-              <a:t>3/25/2022</a:t>
+              <a:t>3/27/2022</a:t>
             </a:fld>
             <a:endParaRPr lang="en-US"/>
           </a:p>
@@ -632,7 +636,7 @@
           <a:p>
             <a:fld id="{846CE7D5-CF57-46EF-B807-FDD0502418D4}" type="datetimeFigureOut">
               <a:rPr lang="en-US" smtClean="0"/>
-              <a:t>3/25/2022</a:t>
+              <a:t>3/27/2022</a:t>
             </a:fld>
             <a:endParaRPr lang="en-US"/>
           </a:p>
@@ -802,7 +806,7 @@
           <a:p>
             <a:fld id="{846CE7D5-CF57-46EF-B807-FDD0502418D4}" type="datetimeFigureOut">
               <a:rPr lang="en-US" smtClean="0"/>
-              <a:t>3/25/2022</a:t>
+              <a:t>3/27/2022</a:t>
             </a:fld>
             <a:endParaRPr lang="en-US"/>
           </a:p>
@@ -1048,7 +1052,7 @@
           <a:p>
             <a:fld id="{846CE7D5-CF57-46EF-B807-FDD0502418D4}" type="datetimeFigureOut">
               <a:rPr lang="en-US" smtClean="0"/>
-              <a:t>3/25/2022</a:t>
+              <a:t>3/27/2022</a:t>
             </a:fld>
             <a:endParaRPr lang="en-US"/>
           </a:p>
@@ -1280,7 +1284,7 @@
           <a:p>
             <a:fld id="{846CE7D5-CF57-46EF-B807-FDD0502418D4}" type="datetimeFigureOut">
               <a:rPr lang="en-US" smtClean="0"/>
-              <a:t>3/25/2022</a:t>
+              <a:t>3/27/2022</a:t>
             </a:fld>
             <a:endParaRPr lang="en-US"/>
           </a:p>
@@ -1647,7 +1651,7 @@
           <a:p>
             <a:fld id="{846CE7D5-CF57-46EF-B807-FDD0502418D4}" type="datetimeFigureOut">
               <a:rPr lang="en-US" smtClean="0"/>
-              <a:t>3/25/2022</a:t>
+              <a:t>3/27/2022</a:t>
             </a:fld>
             <a:endParaRPr lang="en-US"/>
           </a:p>
@@ -1765,7 +1769,7 @@
           <a:p>
             <a:fld id="{846CE7D5-CF57-46EF-B807-FDD0502418D4}" type="datetimeFigureOut">
               <a:rPr lang="en-US" smtClean="0"/>
-              <a:t>3/25/2022</a:t>
+              <a:t>3/27/2022</a:t>
             </a:fld>
             <a:endParaRPr lang="en-US"/>
           </a:p>
@@ -1860,7 +1864,7 @@
           <a:p>
             <a:fld id="{846CE7D5-CF57-46EF-B807-FDD0502418D4}" type="datetimeFigureOut">
               <a:rPr lang="en-US" smtClean="0"/>
-              <a:t>3/25/2022</a:t>
+              <a:t>3/27/2022</a:t>
             </a:fld>
             <a:endParaRPr lang="en-US"/>
           </a:p>
@@ -2137,7 +2141,7 @@
           <a:p>
             <a:fld id="{846CE7D5-CF57-46EF-B807-FDD0502418D4}" type="datetimeFigureOut">
               <a:rPr lang="en-US" smtClean="0"/>
-              <a:t>3/25/2022</a:t>
+              <a:t>3/27/2022</a:t>
             </a:fld>
             <a:endParaRPr lang="en-US"/>
           </a:p>
@@ -2394,7 +2398,7 @@
           <a:p>
             <a:fld id="{846CE7D5-CF57-46EF-B807-FDD0502418D4}" type="datetimeFigureOut">
               <a:rPr lang="en-US" smtClean="0"/>
-              <a:t>3/25/2022</a:t>
+              <a:t>3/27/2022</a:t>
             </a:fld>
             <a:endParaRPr lang="en-US"/>
           </a:p>
@@ -2614,7 +2618,7 @@
           <a:p>
             <a:fld id="{846CE7D5-CF57-46EF-B807-FDD0502418D4}" type="datetimeFigureOut">
               <a:rPr lang="en-US" smtClean="0"/>
-              <a:t>3/25/2022</a:t>
+              <a:t>3/27/2022</a:t>
             </a:fld>
             <a:endParaRPr lang="en-US"/>
           </a:p>
@@ -3137,12 +3141,12 @@
         <p:spPr>
           <a:xfrm>
             <a:off x="838200" y="365125"/>
-            <a:ext cx="10515600" cy="1816852"/>
+            <a:ext cx="10515600" cy="1285458"/>
           </a:xfrm>
         </p:spPr>
         <p:txBody>
           <a:bodyPr>
-            <a:normAutofit/>
+            <a:normAutofit fontScale="90000"/>
           </a:bodyPr>
           <a:lstStyle/>
           <a:p>
@@ -3152,53 +3156,86 @@
                 <a:solidFill>
                   <a:schemeClr val="bg1"/>
                 </a:solidFill>
-                <a:cs typeface="Calibri Light"/>
-              </a:rPr>
-              <a:t>Consistency Levels</a:t>
+                <a:ea typeface="+mj-lt"/>
+                <a:cs typeface="+mj-lt"/>
+              </a:rPr>
+              <a:t>Throughput - the "horse power" of Cosmos DB</a:t>
             </a:r>
             <a:endParaRPr lang="en-US" dirty="0">
               <a:solidFill>
                 <a:schemeClr val="bg1"/>
               </a:solidFill>
-            </a:endParaRPr>
-          </a:p>
-        </p:txBody>
-      </p:sp>
-      <p:pic>
-        <p:nvPicPr>
-          <p:cNvPr id="11" name="Picture 11">
+              <a:cs typeface="Calibri Light"/>
+            </a:endParaRPr>
+          </a:p>
+        </p:txBody>
+      </p:sp>
+      <p:sp>
+        <p:nvSpPr>
+          <p:cNvPr id="3" name="Content Placeholder 2">
             <a:extLst>
               <a:ext uri="{FF2B5EF4-FFF2-40B4-BE49-F238E27FC236}">
-                <a16:creationId xmlns:a16="http://schemas.microsoft.com/office/drawing/2014/main" id="{97D079E1-8284-5797-8C4F-CAF47EB6C476}"/>
+                <a16:creationId xmlns:a16="http://schemas.microsoft.com/office/drawing/2014/main" id="{61C48129-CCEE-42FF-A5E3-0C1613754A6E}"/>
               </a:ext>
             </a:extLst>
           </p:cNvPr>
-          <p:cNvPicPr>
-            <a:picLocks noGrp="1" noChangeAspect="1"/>
-          </p:cNvPicPr>
+          <p:cNvSpPr>
+            <a:spLocks noGrp="1"/>
+          </p:cNvSpPr>
           <p:nvPr>
             <p:ph idx="1"/>
           </p:nvPr>
-        </p:nvPicPr>
-        <p:blipFill>
-          <a:blip r:embed="rId2"/>
-          <a:stretch>
-            <a:fillRect/>
-          </a:stretch>
-        </p:blipFill>
-        <p:spPr>
-          <a:xfrm>
-            <a:off x="2350245" y="2034035"/>
-            <a:ext cx="7543612" cy="3465594"/>
-          </a:xfrm>
-        </p:spPr>
-      </p:pic>
-      <p:sp>
-        <p:nvSpPr>
-          <p:cNvPr id="13" name="TextBox 1">
+        </p:nvSpPr>
+        <p:spPr>
+          <a:xfrm>
+            <a:off x="781659" y="1805244"/>
+            <a:ext cx="10966784" cy="3742312"/>
+          </a:xfrm>
+        </p:spPr>
+        <p:txBody>
+          <a:bodyPr vert="horz" lIns="91440" tIns="45720" rIns="91440" bIns="45720" rtlCol="0" anchor="t">
+            <a:noAutofit/>
+          </a:bodyPr>
+          <a:lstStyle/>
+          <a:p>
+            <a:r>
+              <a:rPr lang="en-US" sz="3200" dirty="0">
+                <a:solidFill>
+                  <a:schemeClr val="bg1"/>
+                </a:solidFill>
+                <a:ea typeface="+mn-lt"/>
+                <a:cs typeface="+mn-lt"/>
+              </a:rPr>
+              <a:t>provisioned(auto scale and manual) - a certain amount of throughput that is provisioned on your databases and containers, the cost of your database operations is calculated from the number of RUs available every second</a:t>
+            </a:r>
+          </a:p>
+          <a:p>
+            <a:r>
+              <a:rPr lang="en-US" sz="3200" dirty="0">
+                <a:solidFill>
+                  <a:schemeClr val="bg1"/>
+                </a:solidFill>
+                <a:ea typeface="+mn-lt"/>
+                <a:cs typeface="+mn-lt"/>
+              </a:rPr>
+              <a:t>serverless - consumption-based fashion where you are only charged for the Request Units consumed by your database operations</a:t>
+            </a:r>
+            <a:endParaRPr lang="en-US" dirty="0">
+              <a:solidFill>
+                <a:schemeClr val="bg1"/>
+              </a:solidFill>
+              <a:ea typeface="+mn-lt"/>
+              <a:cs typeface="+mn-lt"/>
+            </a:endParaRPr>
+          </a:p>
+        </p:txBody>
+      </p:sp>
+      <p:sp>
+        <p:nvSpPr>
+          <p:cNvPr id="4" name="TextBox 3">
             <a:extLst>
               <a:ext uri="{FF2B5EF4-FFF2-40B4-BE49-F238E27FC236}">
-                <a16:creationId xmlns:a16="http://schemas.microsoft.com/office/drawing/2014/main" id="{5C611237-1574-5391-DA28-DF96E2CEFEBF}"/>
+                <a16:creationId xmlns:a16="http://schemas.microsoft.com/office/drawing/2014/main" id="{9A37CAC9-2242-7F64-299E-F429E8F7EF55}"/>
               </a:ext>
             </a:extLst>
           </p:cNvPr>
@@ -3207,8 +3244,8 @@
         </p:nvSpPr>
         <p:spPr>
           <a:xfrm>
-            <a:off x="3432805" y="5876912"/>
-            <a:ext cx="5329988" cy="400110"/>
+            <a:off x="1020581" y="5580089"/>
+            <a:ext cx="4804347" cy="369332"/>
           </a:xfrm>
           <a:prstGeom prst="rect">
             <a:avLst/>
@@ -3216,117 +3253,23 @@
           <a:noFill/>
         </p:spPr>
         <p:txBody>
-          <a:bodyPr rot="0" spcFirstLastPara="0" vert="horz" wrap="square" lIns="91440" tIns="45720" rIns="91440" bIns="45720" numCol="1" spcCol="0" rtlCol="0" fromWordArt="0" anchor="t" anchorCtr="0" forceAA="0" compatLnSpc="1">
+          <a:bodyPr rot="0" spcFirstLastPara="0" vertOverflow="overflow" horzOverflow="overflow" vert="horz" wrap="square" lIns="91440" tIns="45720" rIns="91440" bIns="45720" numCol="1" spcCol="0" rtlCol="0" fromWordArt="0" anchor="t" anchorCtr="0" forceAA="0" compatLnSpc="1">
             <a:prstTxWarp prst="textNoShape">
               <a:avLst/>
             </a:prstTxWarp>
             <a:spAutoFit/>
           </a:bodyPr>
-          <a:lstStyle>
-            <a:defPPr>
-              <a:defRPr lang="en-US"/>
-            </a:defPPr>
-            <a:lvl1pPr marL="0" algn="l" defTabSz="914400" rtl="0" eaLnBrk="1" latinLnBrk="0" hangingPunct="1">
-              <a:defRPr sz="1800" kern="1200">
-                <a:solidFill>
-                  <a:schemeClr val="tx1"/>
-                </a:solidFill>
-                <a:latin typeface="+mn-lt"/>
-                <a:ea typeface="+mn-ea"/>
-                <a:cs typeface="+mn-cs"/>
-              </a:defRPr>
-            </a:lvl1pPr>
-            <a:lvl2pPr marL="457200" algn="l" defTabSz="914400" rtl="0" eaLnBrk="1" latinLnBrk="0" hangingPunct="1">
-              <a:defRPr sz="1800" kern="1200">
-                <a:solidFill>
-                  <a:schemeClr val="tx1"/>
-                </a:solidFill>
-                <a:latin typeface="+mn-lt"/>
-                <a:ea typeface="+mn-ea"/>
-                <a:cs typeface="+mn-cs"/>
-              </a:defRPr>
-            </a:lvl2pPr>
-            <a:lvl3pPr marL="914400" algn="l" defTabSz="914400" rtl="0" eaLnBrk="1" latinLnBrk="0" hangingPunct="1">
-              <a:defRPr sz="1800" kern="1200">
-                <a:solidFill>
-                  <a:schemeClr val="tx1"/>
-                </a:solidFill>
-                <a:latin typeface="+mn-lt"/>
-                <a:ea typeface="+mn-ea"/>
-                <a:cs typeface="+mn-cs"/>
-              </a:defRPr>
-            </a:lvl3pPr>
-            <a:lvl4pPr marL="1371600" algn="l" defTabSz="914400" rtl="0" eaLnBrk="1" latinLnBrk="0" hangingPunct="1">
-              <a:defRPr sz="1800" kern="1200">
-                <a:solidFill>
-                  <a:schemeClr val="tx1"/>
-                </a:solidFill>
-                <a:latin typeface="+mn-lt"/>
-                <a:ea typeface="+mn-ea"/>
-                <a:cs typeface="+mn-cs"/>
-              </a:defRPr>
-            </a:lvl4pPr>
-            <a:lvl5pPr marL="1828800" algn="l" defTabSz="914400" rtl="0" eaLnBrk="1" latinLnBrk="0" hangingPunct="1">
-              <a:defRPr sz="1800" kern="1200">
-                <a:solidFill>
-                  <a:schemeClr val="tx1"/>
-                </a:solidFill>
-                <a:latin typeface="+mn-lt"/>
-                <a:ea typeface="+mn-ea"/>
-                <a:cs typeface="+mn-cs"/>
-              </a:defRPr>
-            </a:lvl5pPr>
-            <a:lvl6pPr marL="2286000" algn="l" defTabSz="914400" rtl="0" eaLnBrk="1" latinLnBrk="0" hangingPunct="1">
-              <a:defRPr sz="1800" kern="1200">
-                <a:solidFill>
-                  <a:schemeClr val="tx1"/>
-                </a:solidFill>
-                <a:latin typeface="+mn-lt"/>
-                <a:ea typeface="+mn-ea"/>
-                <a:cs typeface="+mn-cs"/>
-              </a:defRPr>
-            </a:lvl6pPr>
-            <a:lvl7pPr marL="2743200" algn="l" defTabSz="914400" rtl="0" eaLnBrk="1" latinLnBrk="0" hangingPunct="1">
-              <a:defRPr sz="1800" kern="1200">
-                <a:solidFill>
-                  <a:schemeClr val="tx1"/>
-                </a:solidFill>
-                <a:latin typeface="+mn-lt"/>
-                <a:ea typeface="+mn-ea"/>
-                <a:cs typeface="+mn-cs"/>
-              </a:defRPr>
-            </a:lvl7pPr>
-            <a:lvl8pPr marL="3200400" algn="l" defTabSz="914400" rtl="0" eaLnBrk="1" latinLnBrk="0" hangingPunct="1">
-              <a:defRPr sz="1800" kern="1200">
-                <a:solidFill>
-                  <a:schemeClr val="tx1"/>
-                </a:solidFill>
-                <a:latin typeface="+mn-lt"/>
-                <a:ea typeface="+mn-ea"/>
-                <a:cs typeface="+mn-cs"/>
-              </a:defRPr>
-            </a:lvl8pPr>
-            <a:lvl9pPr marL="3657600" algn="l" defTabSz="914400" rtl="0" eaLnBrk="1" latinLnBrk="0" hangingPunct="1">
-              <a:defRPr sz="1800" kern="1200">
-                <a:solidFill>
-                  <a:schemeClr val="tx1"/>
-                </a:solidFill>
-                <a:latin typeface="+mn-lt"/>
-                <a:ea typeface="+mn-ea"/>
-                <a:cs typeface="+mn-cs"/>
-              </a:defRPr>
-            </a:lvl9pPr>
-          </a:lstStyle>
-          <a:p>
-            <a:pPr algn="l"/>
-            <a:r>
-              <a:rPr lang="en-US" sz="2000" dirty="0">
-                <a:solidFill>
-                  <a:srgbClr val="92D050"/>
-                </a:solidFill>
-                <a:ea typeface="+mn-lt"/>
-                <a:cs typeface="+mn-lt"/>
-                <a:hlinkClick r:id="rId3">
+          <a:lstStyle/>
+          <a:p>
+            <a:r>
+              <a:rPr lang="en-US" dirty="0">
+                <a:solidFill>
+                  <a:schemeClr val="accent6">
+                    <a:lumMod val="60000"/>
+                    <a:lumOff val="40000"/>
+                  </a:schemeClr>
+                </a:solidFill>
+                <a:hlinkClick r:id="rId2">
                   <a:extLst>
                     <a:ext uri="{A12FA001-AC4F-418D-AE19-62706E023703}">
                       <ahyp:hlinkClr xmlns:ahyp="http://schemas.microsoft.com/office/drawing/2018/hyperlinkcolor" val="tx"/>
@@ -3334,11 +3277,14 @@
                   </a:extLst>
                 </a:hlinkClick>
               </a:rPr>
-              <a:t>https://www.youtube.com/watch?v=t1--kZjrG-o</a:t>
-            </a:r>
-            <a:endParaRPr lang="en-US" sz="2000">
-              <a:solidFill>
-                <a:srgbClr val="92D050"/>
+              <a:t>https://cosmos.azure.com/capacitycalculator/</a:t>
+            </a:r>
+            <a:endParaRPr lang="en-US">
+              <a:solidFill>
+                <a:schemeClr val="accent6">
+                  <a:lumMod val="60000"/>
+                  <a:lumOff val="40000"/>
+                </a:schemeClr>
               </a:solidFill>
               <a:cs typeface="Calibri"/>
             </a:endParaRPr>
@@ -3348,7 +3294,7 @@
     </p:spTree>
     <p:extLst>
       <p:ext uri="{BB962C8B-B14F-4D97-AF65-F5344CB8AC3E}">
-        <p14:creationId xmlns:p14="http://schemas.microsoft.com/office/powerpoint/2010/main" val="1708203144"/>
+        <p14:creationId xmlns:p14="http://schemas.microsoft.com/office/powerpoint/2010/main" val="2796976834"/>
       </p:ext>
     </p:extLst>
   </p:cSld>
@@ -3393,13 +3339,13 @@
         </p:nvSpPr>
         <p:spPr>
           <a:xfrm>
-            <a:off x="838200" y="365125"/>
-            <a:ext cx="10515600" cy="1816852"/>
+            <a:off x="838200" y="953518"/>
+            <a:ext cx="10515600" cy="1285458"/>
           </a:xfrm>
         </p:spPr>
         <p:txBody>
           <a:bodyPr>
-            <a:normAutofit/>
+            <a:normAutofit fontScale="90000"/>
           </a:bodyPr>
           <a:lstStyle/>
           <a:p>
@@ -3409,10 +3355,17 @@
                 <a:solidFill>
                   <a:schemeClr val="bg1"/>
                 </a:solidFill>
-                <a:cs typeface="Calibri Light"/>
-              </a:rPr>
-              <a:t>Hierarchy</a:t>
-            </a:r>
+                <a:ea typeface="+mj-lt"/>
+                <a:cs typeface="+mj-lt"/>
+              </a:rPr>
+              <a:t>Provisioned Manual Throughput on Database</a:t>
+            </a:r>
+            <a:endParaRPr lang="en-US" dirty="0">
+              <a:solidFill>
+                <a:schemeClr val="bg1"/>
+              </a:solidFill>
+              <a:cs typeface="Calibri Light"/>
+            </a:endParaRPr>
           </a:p>
         </p:txBody>
       </p:sp>
@@ -3434,8 +3387,8 @@
         </p:nvSpPr>
         <p:spPr>
           <a:xfrm>
-            <a:off x="838200" y="2457283"/>
-            <a:ext cx="10676022" cy="2446340"/>
+            <a:off x="693114" y="2792281"/>
+            <a:ext cx="10966784" cy="2807876"/>
           </a:xfrm>
         </p:spPr>
         <p:txBody>
@@ -3452,19 +3405,15 @@
                 <a:ea typeface="+mn-lt"/>
                 <a:cs typeface="+mn-lt"/>
               </a:rPr>
-              <a:t>DB account</a:t>
-            </a:r>
-          </a:p>
-          <a:p>
-            <a:r>
-              <a:rPr lang="en-US" sz="3200" dirty="0">
-                <a:solidFill>
-                  <a:schemeClr val="bg1"/>
-                </a:solidFill>
-                <a:cs typeface="Calibri"/>
-              </a:rPr>
-              <a:t>databases</a:t>
-            </a:r>
+              <a:t>the throughput is shared across all the containers</a:t>
+            </a:r>
+            <a:endParaRPr lang="en-US">
+              <a:solidFill>
+                <a:schemeClr val="bg1"/>
+              </a:solidFill>
+              <a:ea typeface="+mn-lt"/>
+              <a:cs typeface="+mn-lt"/>
+            </a:endParaRPr>
           </a:p>
           <a:p>
             <a:r>
@@ -3475,9 +3424,9 @@
                 <a:ea typeface="+mn-lt"/>
                 <a:cs typeface="+mn-lt"/>
               </a:rPr>
-              <a:t>containers/collections</a:t>
-            </a:r>
-            <a:endParaRPr lang="en-US" sz="3200" dirty="0">
+              <a:t>you do not get predictable performance on any specific container because all containers share it</a:t>
+            </a:r>
+            <a:endParaRPr lang="en-US">
               <a:solidFill>
                 <a:schemeClr val="bg1"/>
               </a:solidFill>
@@ -3493,45 +3442,20 @@
                 <a:ea typeface="+mn-lt"/>
                 <a:cs typeface="+mn-lt"/>
               </a:rPr>
-              <a:t>documents/items</a:t>
-            </a:r>
-          </a:p>
-        </p:txBody>
-      </p:sp>
-      <p:pic>
-        <p:nvPicPr>
-          <p:cNvPr id="4" name="Picture 4" descr="Diagram&#10;&#10;Description automatically generated">
-            <a:extLst>
-              <a:ext uri="{FF2B5EF4-FFF2-40B4-BE49-F238E27FC236}">
-                <a16:creationId xmlns:a16="http://schemas.microsoft.com/office/drawing/2014/main" id="{3A87B16F-AF70-27F9-7BE1-6EE6A3875DDE}"/>
-              </a:ext>
-            </a:extLst>
-          </p:cNvPr>
-          <p:cNvPicPr>
-            <a:picLocks noChangeAspect="1"/>
-          </p:cNvPicPr>
-          <p:nvPr/>
-        </p:nvPicPr>
-        <p:blipFill>
-          <a:blip r:embed="rId2"/>
-          <a:stretch>
-            <a:fillRect/>
-          </a:stretch>
-        </p:blipFill>
-        <p:spPr>
-          <a:xfrm>
-            <a:off x="6176761" y="2418895"/>
-            <a:ext cx="5107351" cy="3179491"/>
-          </a:xfrm>
-          <a:prstGeom prst="rect">
-            <a:avLst/>
-          </a:prstGeom>
-        </p:spPr>
-      </p:pic>
+              <a:t>an exception is if you specified a provisioned throughput on specific containers</a:t>
+            </a:r>
+            <a:endParaRPr lang="en-US" dirty="0">
+              <a:solidFill>
+                <a:schemeClr val="bg1"/>
+              </a:solidFill>
+            </a:endParaRPr>
+          </a:p>
+        </p:txBody>
+      </p:sp>
     </p:spTree>
     <p:extLst>
       <p:ext uri="{BB962C8B-B14F-4D97-AF65-F5344CB8AC3E}">
-        <p14:creationId xmlns:p14="http://schemas.microsoft.com/office/powerpoint/2010/main" val="1082046255"/>
+        <p14:creationId xmlns:p14="http://schemas.microsoft.com/office/powerpoint/2010/main" val="1447288111"/>
       </p:ext>
     </p:extLst>
   </p:cSld>
@@ -3576,13 +3500,13 @@
         </p:nvSpPr>
         <p:spPr>
           <a:xfrm>
-            <a:off x="838200" y="626707"/>
-            <a:ext cx="10515600" cy="1816852"/>
+            <a:off x="838200" y="964891"/>
+            <a:ext cx="10515600" cy="1285458"/>
           </a:xfrm>
         </p:spPr>
         <p:txBody>
           <a:bodyPr>
-            <a:normAutofit/>
+            <a:normAutofit fontScale="90000"/>
           </a:bodyPr>
           <a:lstStyle/>
           <a:p>
@@ -3592,10 +3516,17 @@
                 <a:solidFill>
                   <a:schemeClr val="bg1"/>
                 </a:solidFill>
-                <a:cs typeface="Calibri Light"/>
-              </a:rPr>
-              <a:t>Partitioning</a:t>
-            </a:r>
+                <a:ea typeface="+mj-lt"/>
+                <a:cs typeface="+mj-lt"/>
+              </a:rPr>
+              <a:t>Provisioned Manual Throughput on Container</a:t>
+            </a:r>
+            <a:endParaRPr lang="en-US" dirty="0">
+              <a:solidFill>
+                <a:schemeClr val="bg1"/>
+              </a:solidFill>
+              <a:cs typeface="Calibri Light"/>
+            </a:endParaRPr>
           </a:p>
         </p:txBody>
       </p:sp>
@@ -3617,8 +3548,8 @@
         </p:nvSpPr>
         <p:spPr>
           <a:xfrm>
-            <a:off x="838200" y="2998701"/>
-            <a:ext cx="10676022" cy="2095419"/>
+            <a:off x="693114" y="2792281"/>
+            <a:ext cx="10966784" cy="2807876"/>
           </a:xfrm>
         </p:spPr>
         <p:txBody>
@@ -3627,7 +3558,17 @@
           </a:bodyPr>
           <a:lstStyle/>
           <a:p>
-            <a:endParaRPr lang="en-US" sz="3200" dirty="0">
+            <a:r>
+              <a:rPr lang="en-US" sz="3200" dirty="0">
+                <a:solidFill>
+                  <a:schemeClr val="bg1"/>
+                </a:solidFill>
+                <a:ea typeface="+mn-lt"/>
+                <a:cs typeface="+mn-lt"/>
+              </a:rPr>
+              <a:t>it is exclusively reserved for that container</a:t>
+            </a:r>
+            <a:endParaRPr lang="en-US">
               <a:solidFill>
                 <a:schemeClr val="bg1"/>
               </a:solidFill>
@@ -3641,73 +3582,18 @@
                 <a:solidFill>
                   <a:schemeClr val="bg1"/>
                 </a:solidFill>
-                <a:cs typeface="Calibri"/>
-              </a:rPr>
-              <a:t>logical partitioning</a:t>
-            </a:r>
-          </a:p>
-          <a:p>
-            <a:r>
-              <a:rPr lang="en-US" sz="3200" dirty="0">
-                <a:solidFill>
-                  <a:schemeClr val="bg1"/>
-                </a:solidFill>
                 <a:ea typeface="+mn-lt"/>
                 <a:cs typeface="+mn-lt"/>
               </a:rPr>
-              <a:t>physical partitioning</a:t>
-            </a:r>
-            <a:endParaRPr lang="en-US" sz="3200" dirty="0">
+              <a:t>it is evenly distributed among its logical and physical partitions</a:t>
+            </a:r>
+            <a:endParaRPr lang="en-US">
               <a:solidFill>
                 <a:schemeClr val="bg1"/>
               </a:solidFill>
               <a:cs typeface="Calibri"/>
             </a:endParaRPr>
           </a:p>
-          <a:p>
-            <a:pPr marL="0" indent="0">
-              <a:buNone/>
-            </a:pPr>
-            <a:endParaRPr lang="en-US" sz="3200" dirty="0">
-              <a:solidFill>
-                <a:schemeClr val="bg1"/>
-              </a:solidFill>
-              <a:ea typeface="+mn-lt"/>
-              <a:cs typeface="+mn-lt"/>
-            </a:endParaRPr>
-          </a:p>
-        </p:txBody>
-      </p:sp>
-      <p:sp>
-        <p:nvSpPr>
-          <p:cNvPr id="5" name="TextBox 4">
-            <a:extLst>
-              <a:ext uri="{FF2B5EF4-FFF2-40B4-BE49-F238E27FC236}">
-                <a16:creationId xmlns:a16="http://schemas.microsoft.com/office/drawing/2014/main" id="{5AC502EC-68FA-4840-9FEE-247CF1A2ECAC}"/>
-              </a:ext>
-            </a:extLst>
-          </p:cNvPr>
-          <p:cNvSpPr txBox="1"/>
-          <p:nvPr/>
-        </p:nvSpPr>
-        <p:spPr>
-          <a:xfrm>
-            <a:off x="836696" y="2440906"/>
-            <a:ext cx="11175331" cy="584775"/>
-          </a:xfrm>
-          <a:prstGeom prst="rect">
-            <a:avLst/>
-          </a:prstGeom>
-          <a:noFill/>
-        </p:spPr>
-        <p:txBody>
-          <a:bodyPr rot="0" spcFirstLastPara="0" vertOverflow="overflow" horzOverflow="overflow" vert="horz" wrap="square" lIns="91440" tIns="45720" rIns="91440" bIns="45720" numCol="1" spcCol="0" rtlCol="0" fromWordArt="0" anchor="t" anchorCtr="0" forceAA="0" compatLnSpc="1">
-            <a:prstTxWarp prst="textNoShape">
-              <a:avLst/>
-            </a:prstTxWarp>
-            <a:spAutoFit/>
-          </a:bodyPr>
-          <a:lstStyle/>
           <a:p>
             <a:r>
               <a:rPr lang="en-US" sz="3200" dirty="0">
@@ -3717,13 +3603,12 @@
                 <a:ea typeface="+mn-lt"/>
                 <a:cs typeface="+mn-lt"/>
               </a:rPr>
-              <a:t>Partitioning is optimized read and write data on servers</a:t>
-            </a:r>
-            <a:endParaRPr lang="en-US">
-              <a:solidFill>
-                <a:schemeClr val="bg1"/>
-              </a:solidFill>
-              <a:cs typeface="Calibri"/>
+              <a:t>if logical partition consumes more than the throughput that was allocated, it's possible that your operations will be rate-limited</a:t>
+            </a:r>
+            <a:endParaRPr lang="en-US" dirty="0">
+              <a:solidFill>
+                <a:schemeClr val="bg1"/>
+              </a:solidFill>
             </a:endParaRPr>
           </a:p>
         </p:txBody>
@@ -3731,7 +3616,7 @@
     </p:spTree>
     <p:extLst>
       <p:ext uri="{BB962C8B-B14F-4D97-AF65-F5344CB8AC3E}">
-        <p14:creationId xmlns:p14="http://schemas.microsoft.com/office/powerpoint/2010/main" val="3354443687"/>
+        <p14:creationId xmlns:p14="http://schemas.microsoft.com/office/powerpoint/2010/main" val="2515554079"/>
       </p:ext>
     </p:extLst>
   </p:cSld>
@@ -3776,7 +3661,7 @@
         </p:nvSpPr>
         <p:spPr>
           <a:xfrm>
-            <a:off x="838200" y="365125"/>
+            <a:off x="838200" y="964891"/>
             <a:ext cx="10515600" cy="1285458"/>
           </a:xfrm>
         </p:spPr>
@@ -3792,14 +3677,16 @@
                 <a:solidFill>
                   <a:schemeClr val="bg1"/>
                 </a:solidFill>
-                <a:cs typeface="Calibri Light"/>
-              </a:rPr>
-              <a:t>Logical Partitioning</a:t>
+                <a:ea typeface="+mj-lt"/>
+                <a:cs typeface="+mj-lt"/>
+              </a:rPr>
+              <a:t>Provisioned Autoscale Throughput</a:t>
             </a:r>
             <a:endParaRPr lang="en-US" dirty="0">
               <a:solidFill>
                 <a:schemeClr val="bg1"/>
               </a:solidFill>
+              <a:cs typeface="Calibri Light"/>
             </a:endParaRPr>
           </a:p>
         </p:txBody>
@@ -3822,8 +3709,8 @@
         </p:nvSpPr>
         <p:spPr>
           <a:xfrm>
-            <a:off x="778043" y="1805573"/>
-            <a:ext cx="10966784" cy="4521785"/>
+            <a:off x="693114" y="2792281"/>
+            <a:ext cx="10966784" cy="2807876"/>
           </a:xfrm>
         </p:spPr>
         <p:txBody>
@@ -3840,13 +3727,23 @@
                 <a:ea typeface="+mn-lt"/>
                 <a:cs typeface="+mn-lt"/>
               </a:rPr>
-              <a:t>container - unit that contains logical partitions with the same partition key, not the equivalent of table in relational DB's</a:t>
-            </a:r>
-            <a:endParaRPr lang="en-US">
-              <a:solidFill>
-                <a:schemeClr val="bg1"/>
-              </a:solidFill>
-              <a:cs typeface="Calibri"/>
+              <a:t>throughput is scaled based on the usage</a:t>
+            </a:r>
+            <a:endParaRPr lang="en-US" dirty="0">
+              <a:solidFill>
+                <a:schemeClr val="bg1"/>
+              </a:solidFill>
+              <a:ea typeface="+mn-lt"/>
+              <a:cs typeface="+mn-lt"/>
+            </a:endParaRPr>
+          </a:p>
+          <a:p>
+            <a:endParaRPr lang="en-US" sz="3200" dirty="0">
+              <a:solidFill>
+                <a:schemeClr val="bg1"/>
+              </a:solidFill>
+              <a:ea typeface="+mn-lt"/>
+              <a:cs typeface="+mn-lt"/>
             </a:endParaRPr>
           </a:p>
           <a:p>
@@ -3858,63 +3755,18 @@
                 <a:ea typeface="+mn-lt"/>
                 <a:cs typeface="+mn-lt"/>
               </a:rPr>
-              <a:t>logical partitions - buckets of data with the same partition key value</a:t>
-            </a:r>
-            <a:endParaRPr lang="en-US">
-              <a:solidFill>
-                <a:schemeClr val="bg1"/>
-              </a:solidFill>
-              <a:cs typeface="Calibri"/>
-            </a:endParaRPr>
-          </a:p>
-          <a:p>
-            <a:r>
-              <a:rPr lang="en-US" sz="3200" dirty="0">
-                <a:solidFill>
-                  <a:schemeClr val="bg1"/>
-                </a:solidFill>
-                <a:ea typeface="+mn-lt"/>
-                <a:cs typeface="+mn-lt"/>
-              </a:rPr>
-              <a:t>partition key - the most important choice for even distribution of storage and throughput across logical partitions</a:t>
-            </a:r>
-            <a:endParaRPr lang="en-US">
-              <a:solidFill>
-                <a:schemeClr val="bg1"/>
-              </a:solidFill>
-              <a:cs typeface="Calibri"/>
-            </a:endParaRPr>
-          </a:p>
-          <a:p>
-            <a:r>
-              <a:rPr lang="en-US" sz="3200" dirty="0">
-                <a:solidFill>
-                  <a:schemeClr val="bg1"/>
-                </a:solidFill>
-                <a:ea typeface="+mn-lt"/>
-                <a:cs typeface="+mn-lt"/>
-              </a:rPr>
-              <a:t>aim for single partition queries</a:t>
+              <a:t>databases and containers automatically scale the provisioned throughput as needed</a:t>
             </a:r>
             <a:endParaRPr lang="en-US" dirty="0">
               <a:solidFill>
                 <a:schemeClr val="bg1"/>
               </a:solidFill>
-              <a:cs typeface="Calibri" panose="020F0502020204030204"/>
-            </a:endParaRPr>
-          </a:p>
-          <a:p>
-            <a:r>
-              <a:rPr lang="en-US" sz="3200" dirty="0">
-                <a:solidFill>
-                  <a:schemeClr val="bg1"/>
-                </a:solidFill>
-                <a:ea typeface="+mn-lt"/>
-                <a:cs typeface="+mn-lt"/>
-              </a:rPr>
-              <a:t>hot partitions - should be avoided, cross partition queries</a:t>
-            </a:r>
-            <a:endParaRPr lang="en-US" dirty="0">
+              <a:ea typeface="+mn-lt"/>
+              <a:cs typeface="+mn-lt"/>
+            </a:endParaRPr>
+          </a:p>
+          <a:p>
+            <a:endParaRPr lang="en-US" sz="3200" dirty="0">
               <a:solidFill>
                 <a:schemeClr val="bg1"/>
               </a:solidFill>
@@ -3927,7 +3779,7 @@
     </p:spTree>
     <p:extLst>
       <p:ext uri="{BB962C8B-B14F-4D97-AF65-F5344CB8AC3E}">
-        <p14:creationId xmlns:p14="http://schemas.microsoft.com/office/powerpoint/2010/main" val="4030606103"/>
+        <p14:creationId xmlns:p14="http://schemas.microsoft.com/office/powerpoint/2010/main" val="3410034518"/>
       </p:ext>
     </p:extLst>
   </p:cSld>
@@ -3972,8 +3824,8 @@
         </p:nvSpPr>
         <p:spPr>
           <a:xfrm>
-            <a:off x="838200" y="547095"/>
-            <a:ext cx="10515600" cy="1285458"/>
+            <a:off x="838200" y="365125"/>
+            <a:ext cx="10515600" cy="1816852"/>
           </a:xfrm>
         </p:spPr>
         <p:txBody>
@@ -3990,7 +3842,7 @@
                 </a:solidFill>
                 <a:cs typeface="Calibri Light"/>
               </a:rPr>
-              <a:t>Physical Partitioning</a:t>
+              <a:t>Consistency Levels</a:t>
             </a:r>
             <a:endParaRPr lang="en-US" dirty="0">
               <a:solidFill>
@@ -4018,8 +3870,8 @@
         </p:nvSpPr>
         <p:spPr>
           <a:xfrm>
-            <a:off x="737938" y="2086310"/>
-            <a:ext cx="10966784" cy="4231022"/>
+            <a:off x="838200" y="3431034"/>
+            <a:ext cx="10676022" cy="2787234"/>
           </a:xfrm>
         </p:spPr>
         <p:txBody>
@@ -4036,14 +3888,19 @@
                 <a:ea typeface="+mn-lt"/>
                 <a:cs typeface="+mn-lt"/>
               </a:rPr>
-              <a:t>entirely auto-managed by Cosmos DB cannot control them, so do not focus</a:t>
-            </a:r>
-            <a:endParaRPr lang="en-US">
-              <a:solidFill>
-                <a:schemeClr val="bg1"/>
-              </a:solidFill>
-              <a:cs typeface="Calibri"/>
-            </a:endParaRPr>
+              <a:t>strong</a:t>
+            </a:r>
+          </a:p>
+          <a:p>
+            <a:r>
+              <a:rPr lang="en-US" sz="3200" dirty="0">
+                <a:solidFill>
+                  <a:schemeClr val="bg1"/>
+                </a:solidFill>
+                <a:cs typeface="Calibri"/>
+              </a:rPr>
+              <a:t>bounded staleness</a:t>
+            </a:r>
           </a:p>
           <a:p>
             <a:r>
@@ -4054,9 +3911,9 @@
                 <a:ea typeface="+mn-lt"/>
                 <a:cs typeface="+mn-lt"/>
               </a:rPr>
-              <a:t>one or more logical partitions are mapped to a single physical partition</a:t>
-            </a:r>
-            <a:endParaRPr lang="en-US">
+              <a:t>session - default level</a:t>
+            </a:r>
+            <a:endParaRPr lang="en-US" sz="3200" dirty="0">
               <a:solidFill>
                 <a:schemeClr val="bg1"/>
               </a:solidFill>
@@ -4072,9 +3929,30 @@
                 <a:ea typeface="+mn-lt"/>
                 <a:cs typeface="+mn-lt"/>
               </a:rPr>
-              <a:t>a physical partition can provide a throughput of up to 10 000 RU's, and up to 50GB of data</a:t>
-            </a:r>
-            <a:endParaRPr lang="en-US" dirty="0">
+              <a:t>consistent prefix</a:t>
+            </a:r>
+          </a:p>
+          <a:p>
+            <a:pPr>
+              <a:buFont typeface="Arial"/>
+              <a:buChar char="•"/>
+            </a:pPr>
+            <a:r>
+              <a:rPr lang="en-US" sz="3200" dirty="0">
+                <a:solidFill>
+                  <a:schemeClr val="bg1"/>
+                </a:solidFill>
+                <a:ea typeface="+mn-lt"/>
+                <a:cs typeface="+mn-lt"/>
+              </a:rPr>
+              <a:t>eventual</a:t>
+            </a:r>
+          </a:p>
+          <a:p>
+            <a:pPr marL="0" indent="0">
+              <a:buNone/>
+            </a:pPr>
+            <a:endParaRPr lang="en-US" sz="3200" dirty="0">
               <a:solidFill>
                 <a:schemeClr val="bg1"/>
               </a:solidFill>
@@ -4082,6 +3960,38 @@
               <a:cs typeface="+mn-lt"/>
             </a:endParaRPr>
           </a:p>
+        </p:txBody>
+      </p:sp>
+      <p:sp>
+        <p:nvSpPr>
+          <p:cNvPr id="5" name="TextBox 4">
+            <a:extLst>
+              <a:ext uri="{FF2B5EF4-FFF2-40B4-BE49-F238E27FC236}">
+                <a16:creationId xmlns:a16="http://schemas.microsoft.com/office/drawing/2014/main" id="{5AC502EC-68FA-4840-9FEE-247CF1A2ECAC}"/>
+              </a:ext>
+            </a:extLst>
+          </p:cNvPr>
+          <p:cNvSpPr txBox="1"/>
+          <p:nvPr/>
+        </p:nvSpPr>
+        <p:spPr>
+          <a:xfrm>
+            <a:off x="862748" y="1902484"/>
+            <a:ext cx="10152819" cy="1077218"/>
+          </a:xfrm>
+          <a:prstGeom prst="rect">
+            <a:avLst/>
+          </a:prstGeom>
+          <a:noFill/>
+        </p:spPr>
+        <p:txBody>
+          <a:bodyPr rot="0" spcFirstLastPara="0" vertOverflow="overflow" horzOverflow="overflow" vert="horz" wrap="square" lIns="91440" tIns="45720" rIns="91440" bIns="45720" numCol="1" spcCol="0" rtlCol="0" fromWordArt="0" anchor="t" anchorCtr="0" forceAA="0" compatLnSpc="1">
+            <a:prstTxWarp prst="textNoShape">
+              <a:avLst/>
+            </a:prstTxWarp>
+            <a:spAutoFit/>
+          </a:bodyPr>
+          <a:lstStyle/>
           <a:p>
             <a:r>
               <a:rPr lang="en-US" sz="3200" dirty="0">
@@ -4091,22 +4001,51 @@
                 <a:ea typeface="+mn-lt"/>
                 <a:cs typeface="+mn-lt"/>
               </a:rPr>
-              <a:t>new physical partitions are auto-created by splitting existing ones when throughput or data size grows </a:t>
+              <a:t>Consistency describes the uniformity of data in a distributed database. It's a contract how and when data is replicated.</a:t>
             </a:r>
             <a:endParaRPr lang="en-US">
               <a:solidFill>
                 <a:schemeClr val="bg1"/>
               </a:solidFill>
-              <a:ea typeface="+mn-lt"/>
-              <a:cs typeface="+mn-lt"/>
-            </a:endParaRPr>
-          </a:p>
-        </p:txBody>
-      </p:sp>
+              <a:cs typeface="Calibri" panose="020F0502020204030204"/>
+            </a:endParaRPr>
+          </a:p>
+        </p:txBody>
+      </p:sp>
+      <p:pic>
+        <p:nvPicPr>
+          <p:cNvPr id="7" name="Picture 7" descr="A picture containing text, indoor&#10;&#10;Description automatically generated">
+            <a:extLst>
+              <a:ext uri="{FF2B5EF4-FFF2-40B4-BE49-F238E27FC236}">
+                <a16:creationId xmlns:a16="http://schemas.microsoft.com/office/drawing/2014/main" id="{F4B7876F-7D17-120E-6E00-939B9B4708D9}"/>
+              </a:ext>
+            </a:extLst>
+          </p:cNvPr>
+          <p:cNvPicPr>
+            <a:picLocks noChangeAspect="1"/>
+          </p:cNvPicPr>
+          <p:nvPr/>
+        </p:nvPicPr>
+        <p:blipFill>
+          <a:blip r:embed="rId2"/>
+          <a:stretch>
+            <a:fillRect/>
+          </a:stretch>
+        </p:blipFill>
+        <p:spPr>
+          <a:xfrm>
+            <a:off x="6176759" y="3484785"/>
+            <a:ext cx="4045764" cy="2734535"/>
+          </a:xfrm>
+          <a:prstGeom prst="rect">
+            <a:avLst/>
+          </a:prstGeom>
+        </p:spPr>
+      </p:pic>
     </p:spTree>
     <p:extLst>
       <p:ext uri="{BB962C8B-B14F-4D97-AF65-F5344CB8AC3E}">
-        <p14:creationId xmlns:p14="http://schemas.microsoft.com/office/powerpoint/2010/main" val="1884393021"/>
+        <p14:creationId xmlns:p14="http://schemas.microsoft.com/office/powerpoint/2010/main" val="2413449506"/>
       </p:ext>
     </p:extLst>
   </p:cSld>
@@ -4152,7 +4091,7 @@
         <p:spPr>
           <a:xfrm>
             <a:off x="838200" y="365125"/>
-            <a:ext cx="10515600" cy="1134464"/>
+            <a:ext cx="10515600" cy="1816852"/>
           </a:xfrm>
         </p:spPr>
         <p:txBody>
@@ -4169,17 +4108,22 @@
                 </a:solidFill>
                 <a:cs typeface="Calibri Light"/>
               </a:rPr>
-              <a:t>Partitioning</a:t>
-            </a:r>
+              <a:t>Consistency Levels</a:t>
+            </a:r>
+            <a:endParaRPr lang="en-US" dirty="0">
+              <a:solidFill>
+                <a:schemeClr val="bg1"/>
+              </a:solidFill>
+            </a:endParaRPr>
           </a:p>
         </p:txBody>
       </p:sp>
       <p:pic>
         <p:nvPicPr>
-          <p:cNvPr id="7" name="Picture 7" descr="Diagram&#10;&#10;Description automatically generated">
+          <p:cNvPr id="11" name="Picture 11">
             <a:extLst>
               <a:ext uri="{FF2B5EF4-FFF2-40B4-BE49-F238E27FC236}">
-                <a16:creationId xmlns:a16="http://schemas.microsoft.com/office/drawing/2014/main" id="{07C018C7-DAA0-C961-A363-47820C14E517}"/>
+                <a16:creationId xmlns:a16="http://schemas.microsoft.com/office/drawing/2014/main" id="{97D079E1-8284-5797-8C4F-CAF47EB6C476}"/>
               </a:ext>
             </a:extLst>
           </p:cNvPr>
@@ -4198,15 +4142,167 @@
         </p:blipFill>
         <p:spPr>
           <a:xfrm>
-            <a:off x="1343711" y="1711893"/>
-            <a:ext cx="9504577" cy="4419577"/>
+            <a:off x="2350245" y="2034035"/>
+            <a:ext cx="7543612" cy="3465594"/>
           </a:xfrm>
         </p:spPr>
       </p:pic>
+      <p:sp>
+        <p:nvSpPr>
+          <p:cNvPr id="13" name="TextBox 1">
+            <a:extLst>
+              <a:ext uri="{FF2B5EF4-FFF2-40B4-BE49-F238E27FC236}">
+                <a16:creationId xmlns:a16="http://schemas.microsoft.com/office/drawing/2014/main" id="{5C611237-1574-5391-DA28-DF96E2CEFEBF}"/>
+              </a:ext>
+            </a:extLst>
+          </p:cNvPr>
+          <p:cNvSpPr txBox="1"/>
+          <p:nvPr/>
+        </p:nvSpPr>
+        <p:spPr>
+          <a:xfrm>
+            <a:off x="3432805" y="5876912"/>
+            <a:ext cx="5329988" cy="400110"/>
+          </a:xfrm>
+          <a:prstGeom prst="rect">
+            <a:avLst/>
+          </a:prstGeom>
+          <a:noFill/>
+        </p:spPr>
+        <p:txBody>
+          <a:bodyPr rot="0" spcFirstLastPara="0" vert="horz" wrap="square" lIns="91440" tIns="45720" rIns="91440" bIns="45720" numCol="1" spcCol="0" rtlCol="0" fromWordArt="0" anchor="t" anchorCtr="0" forceAA="0" compatLnSpc="1">
+            <a:prstTxWarp prst="textNoShape">
+              <a:avLst/>
+            </a:prstTxWarp>
+            <a:spAutoFit/>
+          </a:bodyPr>
+          <a:lstStyle>
+            <a:defPPr>
+              <a:defRPr lang="en-US"/>
+            </a:defPPr>
+            <a:lvl1pPr marL="0" algn="l" defTabSz="914400" rtl="0" eaLnBrk="1" latinLnBrk="0" hangingPunct="1">
+              <a:defRPr sz="1800" kern="1200">
+                <a:solidFill>
+                  <a:schemeClr val="tx1"/>
+                </a:solidFill>
+                <a:latin typeface="+mn-lt"/>
+                <a:ea typeface="+mn-ea"/>
+                <a:cs typeface="+mn-cs"/>
+              </a:defRPr>
+            </a:lvl1pPr>
+            <a:lvl2pPr marL="457200" algn="l" defTabSz="914400" rtl="0" eaLnBrk="1" latinLnBrk="0" hangingPunct="1">
+              <a:defRPr sz="1800" kern="1200">
+                <a:solidFill>
+                  <a:schemeClr val="tx1"/>
+                </a:solidFill>
+                <a:latin typeface="+mn-lt"/>
+                <a:ea typeface="+mn-ea"/>
+                <a:cs typeface="+mn-cs"/>
+              </a:defRPr>
+            </a:lvl2pPr>
+            <a:lvl3pPr marL="914400" algn="l" defTabSz="914400" rtl="0" eaLnBrk="1" latinLnBrk="0" hangingPunct="1">
+              <a:defRPr sz="1800" kern="1200">
+                <a:solidFill>
+                  <a:schemeClr val="tx1"/>
+                </a:solidFill>
+                <a:latin typeface="+mn-lt"/>
+                <a:ea typeface="+mn-ea"/>
+                <a:cs typeface="+mn-cs"/>
+              </a:defRPr>
+            </a:lvl3pPr>
+            <a:lvl4pPr marL="1371600" algn="l" defTabSz="914400" rtl="0" eaLnBrk="1" latinLnBrk="0" hangingPunct="1">
+              <a:defRPr sz="1800" kern="1200">
+                <a:solidFill>
+                  <a:schemeClr val="tx1"/>
+                </a:solidFill>
+                <a:latin typeface="+mn-lt"/>
+                <a:ea typeface="+mn-ea"/>
+                <a:cs typeface="+mn-cs"/>
+              </a:defRPr>
+            </a:lvl4pPr>
+            <a:lvl5pPr marL="1828800" algn="l" defTabSz="914400" rtl="0" eaLnBrk="1" latinLnBrk="0" hangingPunct="1">
+              <a:defRPr sz="1800" kern="1200">
+                <a:solidFill>
+                  <a:schemeClr val="tx1"/>
+                </a:solidFill>
+                <a:latin typeface="+mn-lt"/>
+                <a:ea typeface="+mn-ea"/>
+                <a:cs typeface="+mn-cs"/>
+              </a:defRPr>
+            </a:lvl5pPr>
+            <a:lvl6pPr marL="2286000" algn="l" defTabSz="914400" rtl="0" eaLnBrk="1" latinLnBrk="0" hangingPunct="1">
+              <a:defRPr sz="1800" kern="1200">
+                <a:solidFill>
+                  <a:schemeClr val="tx1"/>
+                </a:solidFill>
+                <a:latin typeface="+mn-lt"/>
+                <a:ea typeface="+mn-ea"/>
+                <a:cs typeface="+mn-cs"/>
+              </a:defRPr>
+            </a:lvl6pPr>
+            <a:lvl7pPr marL="2743200" algn="l" defTabSz="914400" rtl="0" eaLnBrk="1" latinLnBrk="0" hangingPunct="1">
+              <a:defRPr sz="1800" kern="1200">
+                <a:solidFill>
+                  <a:schemeClr val="tx1"/>
+                </a:solidFill>
+                <a:latin typeface="+mn-lt"/>
+                <a:ea typeface="+mn-ea"/>
+                <a:cs typeface="+mn-cs"/>
+              </a:defRPr>
+            </a:lvl7pPr>
+            <a:lvl8pPr marL="3200400" algn="l" defTabSz="914400" rtl="0" eaLnBrk="1" latinLnBrk="0" hangingPunct="1">
+              <a:defRPr sz="1800" kern="1200">
+                <a:solidFill>
+                  <a:schemeClr val="tx1"/>
+                </a:solidFill>
+                <a:latin typeface="+mn-lt"/>
+                <a:ea typeface="+mn-ea"/>
+                <a:cs typeface="+mn-cs"/>
+              </a:defRPr>
+            </a:lvl8pPr>
+            <a:lvl9pPr marL="3657600" algn="l" defTabSz="914400" rtl="0" eaLnBrk="1" latinLnBrk="0" hangingPunct="1">
+              <a:defRPr sz="1800" kern="1200">
+                <a:solidFill>
+                  <a:schemeClr val="tx1"/>
+                </a:solidFill>
+                <a:latin typeface="+mn-lt"/>
+                <a:ea typeface="+mn-ea"/>
+                <a:cs typeface="+mn-cs"/>
+              </a:defRPr>
+            </a:lvl9pPr>
+          </a:lstStyle>
+          <a:p>
+            <a:pPr algn="l"/>
+            <a:r>
+              <a:rPr lang="en-US" sz="2000" dirty="0">
+                <a:solidFill>
+                  <a:srgbClr val="92D050"/>
+                </a:solidFill>
+                <a:ea typeface="+mn-lt"/>
+                <a:cs typeface="+mn-lt"/>
+                <a:hlinkClick r:id="rId3">
+                  <a:extLst>
+                    <a:ext uri="{A12FA001-AC4F-418D-AE19-62706E023703}">
+                      <ahyp:hlinkClr xmlns:ahyp="http://schemas.microsoft.com/office/drawing/2018/hyperlinkcolor" val="tx"/>
+                    </a:ext>
+                  </a:extLst>
+                </a:hlinkClick>
+              </a:rPr>
+              <a:t>https://www.youtube.com/watch?v=t1--kZjrG-o</a:t>
+            </a:r>
+            <a:endParaRPr lang="en-US" sz="2000">
+              <a:solidFill>
+                <a:srgbClr val="92D050"/>
+              </a:solidFill>
+              <a:cs typeface="Calibri"/>
+            </a:endParaRPr>
+          </a:p>
+        </p:txBody>
+      </p:sp>
     </p:spTree>
     <p:extLst>
       <p:ext uri="{BB962C8B-B14F-4D97-AF65-F5344CB8AC3E}">
-        <p14:creationId xmlns:p14="http://schemas.microsoft.com/office/powerpoint/2010/main" val="3373178967"/>
+        <p14:creationId xmlns:p14="http://schemas.microsoft.com/office/powerpoint/2010/main" val="1708203144"/>
       </p:ext>
     </p:extLst>
   </p:cSld>
@@ -4251,7 +4347,7 @@
         </p:nvSpPr>
         <p:spPr>
           <a:xfrm>
-            <a:off x="838200" y="365125"/>
+            <a:off x="838200" y="626707"/>
             <a:ext cx="10515600" cy="1816852"/>
           </a:xfrm>
         </p:spPr>
@@ -4267,17 +4363,10 @@
                 <a:solidFill>
                   <a:schemeClr val="bg1"/>
                 </a:solidFill>
-                <a:ea typeface="+mj-lt"/>
-                <a:cs typeface="+mj-lt"/>
-              </a:rPr>
-              <a:t>Request Units</a:t>
-            </a:r>
-            <a:endParaRPr lang="en-US">
-              <a:solidFill>
-                <a:schemeClr val="bg1"/>
-              </a:solidFill>
-              <a:cs typeface="Calibri Light"/>
-            </a:endParaRPr>
+                <a:cs typeface="Calibri Light"/>
+              </a:rPr>
+              <a:t>Partitioning</a:t>
+            </a:r>
           </a:p>
         </p:txBody>
       </p:sp>
@@ -4299,8 +4388,8 @@
         </p:nvSpPr>
         <p:spPr>
           <a:xfrm>
-            <a:off x="838200" y="2397124"/>
-            <a:ext cx="10799286" cy="2439853"/>
+            <a:off x="838200" y="2998701"/>
+            <a:ext cx="10676022" cy="2095419"/>
           </a:xfrm>
         </p:spPr>
         <p:txBody>
@@ -4309,6 +4398,26 @@
           </a:bodyPr>
           <a:lstStyle/>
           <a:p>
+            <a:endParaRPr lang="en-US" sz="3200" dirty="0">
+              <a:solidFill>
+                <a:schemeClr val="bg1"/>
+              </a:solidFill>
+              <a:ea typeface="+mn-lt"/>
+              <a:cs typeface="+mn-lt"/>
+            </a:endParaRPr>
+          </a:p>
+          <a:p>
+            <a:r>
+              <a:rPr lang="en-US" sz="3200" dirty="0">
+                <a:solidFill>
+                  <a:schemeClr val="bg1"/>
+                </a:solidFill>
+                <a:cs typeface="Calibri"/>
+              </a:rPr>
+              <a:t>logical partitioning</a:t>
+            </a:r>
+          </a:p>
+          <a:p>
             <a:r>
               <a:rPr lang="en-US" sz="3200" dirty="0">
                 <a:solidFill>
@@ -4317,46 +4426,13 @@
                 <a:ea typeface="+mn-lt"/>
                 <a:cs typeface="+mn-lt"/>
               </a:rPr>
-              <a:t>it is Cosmos DB currency that abstracts physical resources (CPU, Memory, IOPS) for performing requests</a:t>
-            </a:r>
-          </a:p>
-          <a:p>
-            <a:pPr>
-              <a:buFont typeface="Arial"/>
-            </a:pPr>
-            <a:r>
-              <a:rPr lang="en-US" sz="3200" dirty="0">
-                <a:solidFill>
-                  <a:schemeClr val="bg1"/>
-                </a:solidFill>
-                <a:ea typeface="+mn-lt"/>
-                <a:cs typeface="+mn-lt"/>
-              </a:rPr>
-              <a:t>1RU = 1kb read document</a:t>
-            </a:r>
-            <a:endParaRPr lang="en-US">
-              <a:solidFill>
-                <a:schemeClr val="bg1"/>
-              </a:solidFill>
-              <a:cs typeface="Calibri" panose="020F0502020204030204"/>
-            </a:endParaRPr>
-          </a:p>
-          <a:p>
-            <a:r>
-              <a:rPr lang="en-US" sz="3200" dirty="0">
-                <a:solidFill>
-                  <a:schemeClr val="bg1"/>
-                </a:solidFill>
-                <a:ea typeface="+mn-lt"/>
-                <a:cs typeface="+mn-lt"/>
-              </a:rPr>
-              <a:t>same operation will cost always same amount of request units </a:t>
-            </a:r>
-            <a:endParaRPr lang="en-US">
-              <a:solidFill>
-                <a:schemeClr val="bg1"/>
-              </a:solidFill>
-              <a:cs typeface="Calibri" panose="020F0502020204030204"/>
+              <a:t>physical partitioning</a:t>
+            </a:r>
+            <a:endParaRPr lang="en-US" sz="3200" dirty="0">
+              <a:solidFill>
+                <a:schemeClr val="bg1"/>
+              </a:solidFill>
+              <a:cs typeface="Calibri"/>
             </a:endParaRPr>
           </a:p>
           <a:p>
@@ -4375,10 +4451,10 @@
       </p:sp>
       <p:sp>
         <p:nvSpPr>
-          <p:cNvPr id="4" name="TextBox 3">
+          <p:cNvPr id="5" name="TextBox 4">
             <a:extLst>
               <a:ext uri="{FF2B5EF4-FFF2-40B4-BE49-F238E27FC236}">
-                <a16:creationId xmlns:a16="http://schemas.microsoft.com/office/drawing/2014/main" id="{731EF883-7953-4327-A718-08B9072F0CAA}"/>
+                <a16:creationId xmlns:a16="http://schemas.microsoft.com/office/drawing/2014/main" id="{5AC502EC-68FA-4840-9FEE-247CF1A2ECAC}"/>
               </a:ext>
             </a:extLst>
           </p:cNvPr>
@@ -4387,8 +4463,8 @@
         </p:nvSpPr>
         <p:spPr>
           <a:xfrm>
-            <a:off x="834190" y="4938492"/>
-            <a:ext cx="5329988" cy="400110"/>
+            <a:off x="836696" y="2440906"/>
+            <a:ext cx="11175331" cy="584775"/>
           </a:xfrm>
           <a:prstGeom prst="rect">
             <a:avLst/>
@@ -4404,27 +4480,19 @@
           </a:bodyPr>
           <a:lstStyle/>
           <a:p>
-            <a:pPr algn="l"/>
-            <a:r>
-              <a:rPr lang="en-US" sz="2000" dirty="0">
-                <a:solidFill>
-                  <a:srgbClr val="92D050"/>
+            <a:r>
+              <a:rPr lang="en-US" sz="3200" dirty="0">
+                <a:solidFill>
+                  <a:schemeClr val="bg1"/>
                 </a:solidFill>
                 <a:ea typeface="+mn-lt"/>
                 <a:cs typeface="+mn-lt"/>
-                <a:hlinkClick r:id="rId2">
-                  <a:extLst>
-                    <a:ext uri="{A12FA001-AC4F-418D-AE19-62706E023703}">
-                      <ahyp:hlinkClr xmlns:ahyp="http://schemas.microsoft.com/office/drawing/2018/hyperlinkcolor" val="tx"/>
-                    </a:ext>
-                  </a:extLst>
-                </a:hlinkClick>
-              </a:rPr>
-              <a:t>https://cosmos.azure.com/capacitycalculator</a:t>
-            </a:r>
-            <a:endParaRPr lang="en-US" sz="2000">
-              <a:solidFill>
-                <a:srgbClr val="92D050"/>
+              </a:rPr>
+              <a:t>Partitioning is optimized read and write data on servers</a:t>
+            </a:r>
+            <a:endParaRPr lang="en-US">
+              <a:solidFill>
+                <a:schemeClr val="bg1"/>
               </a:solidFill>
               <a:cs typeface="Calibri"/>
             </a:endParaRPr>
@@ -4434,7 +4502,7 @@
     </p:spTree>
     <p:extLst>
       <p:ext uri="{BB962C8B-B14F-4D97-AF65-F5344CB8AC3E}">
-        <p14:creationId xmlns:p14="http://schemas.microsoft.com/office/powerpoint/2010/main" val="876756418"/>
+        <p14:creationId xmlns:p14="http://schemas.microsoft.com/office/powerpoint/2010/main" val="3354443687"/>
       </p:ext>
     </p:extLst>
   </p:cSld>
@@ -4485,7 +4553,7 @@
         </p:spPr>
         <p:txBody>
           <a:bodyPr>
-            <a:normAutofit fontScale="90000"/>
+            <a:normAutofit/>
           </a:bodyPr>
           <a:lstStyle/>
           <a:p>
@@ -4495,16 +4563,14 @@
                 <a:solidFill>
                   <a:schemeClr val="bg1"/>
                 </a:solidFill>
-                <a:ea typeface="+mj-lt"/>
-                <a:cs typeface="+mj-lt"/>
-              </a:rPr>
-              <a:t>Throughput - the "horse power" of Cosmos DB</a:t>
+                <a:cs typeface="Calibri Light"/>
+              </a:rPr>
+              <a:t>Logical Partitioning</a:t>
             </a:r>
             <a:endParaRPr lang="en-US" dirty="0">
               <a:solidFill>
                 <a:schemeClr val="bg1"/>
               </a:solidFill>
-              <a:cs typeface="Calibri Light"/>
             </a:endParaRPr>
           </a:p>
         </p:txBody>
@@ -4527,8 +4593,8 @@
         </p:nvSpPr>
         <p:spPr>
           <a:xfrm>
-            <a:off x="737938" y="2086310"/>
-            <a:ext cx="10966784" cy="3742312"/>
+            <a:off x="778043" y="1805573"/>
+            <a:ext cx="10966784" cy="4521785"/>
           </a:xfrm>
         </p:spPr>
         <p:txBody>
@@ -4545,9 +4611,17 @@
                 <a:ea typeface="+mn-lt"/>
                 <a:cs typeface="+mn-lt"/>
               </a:rPr>
-              <a:t>provisioned(auto scale and manual) - a certain amount of throughput that is provisioned on your databases and containers, the cost of your database operations is calculated from the number of RUs available every second</a:t>
-            </a:r>
-            <a:br>
+              <a:t>container - unit that contains logical partitions with the same partition key, not the equivalent of table in relational DB's</a:t>
+            </a:r>
+            <a:endParaRPr lang="en-US">
+              <a:solidFill>
+                <a:schemeClr val="bg1"/>
+              </a:solidFill>
+              <a:cs typeface="Calibri"/>
+            </a:endParaRPr>
+          </a:p>
+          <a:p>
+            <a:r>
               <a:rPr lang="en-US" sz="3200" dirty="0">
                 <a:solidFill>
                   <a:schemeClr val="bg1"/>
@@ -4555,12 +4629,13 @@
                 <a:ea typeface="+mn-lt"/>
                 <a:cs typeface="+mn-lt"/>
               </a:rPr>
-            </a:br>
+              <a:t>logical partitions - buckets of data with the same partition key value</a:t>
+            </a:r>
             <a:endParaRPr lang="en-US">
               <a:solidFill>
                 <a:schemeClr val="bg1"/>
               </a:solidFill>
-              <a:cs typeface="Calibri" panose="020F0502020204030204"/>
+              <a:cs typeface="Calibri"/>
             </a:endParaRPr>
           </a:p>
           <a:p>
@@ -4572,7 +4647,43 @@
                 <a:ea typeface="+mn-lt"/>
                 <a:cs typeface="+mn-lt"/>
               </a:rPr>
-              <a:t>serverless - consumption-based fashion where you are only charged for the Request Units consumed by your database operations</a:t>
+              <a:t>partition key - the most important choice for even distribution of storage and throughput across logical partitions</a:t>
+            </a:r>
+            <a:endParaRPr lang="en-US">
+              <a:solidFill>
+                <a:schemeClr val="bg1"/>
+              </a:solidFill>
+              <a:cs typeface="Calibri"/>
+            </a:endParaRPr>
+          </a:p>
+          <a:p>
+            <a:r>
+              <a:rPr lang="en-US" sz="3200" dirty="0">
+                <a:solidFill>
+                  <a:schemeClr val="bg1"/>
+                </a:solidFill>
+                <a:ea typeface="+mn-lt"/>
+                <a:cs typeface="+mn-lt"/>
+              </a:rPr>
+              <a:t>aim for single partition queries</a:t>
+            </a:r>
+            <a:endParaRPr lang="en-US" dirty="0">
+              <a:solidFill>
+                <a:schemeClr val="bg1"/>
+              </a:solidFill>
+              <a:cs typeface="Calibri" panose="020F0502020204030204"/>
+            </a:endParaRPr>
+          </a:p>
+          <a:p>
+            <a:r>
+              <a:rPr lang="en-US" sz="3200" dirty="0">
+                <a:solidFill>
+                  <a:schemeClr val="bg1"/>
+                </a:solidFill>
+                <a:ea typeface="+mn-lt"/>
+                <a:cs typeface="+mn-lt"/>
+              </a:rPr>
+              <a:t>hot partitions - should be avoided, cross partition queries</a:t>
             </a:r>
             <a:endParaRPr lang="en-US" dirty="0">
               <a:solidFill>
@@ -4587,7 +4698,7 @@
     </p:spTree>
     <p:extLst>
       <p:ext uri="{BB962C8B-B14F-4D97-AF65-F5344CB8AC3E}">
-        <p14:creationId xmlns:p14="http://schemas.microsoft.com/office/powerpoint/2010/main" val="2796976834"/>
+        <p14:creationId xmlns:p14="http://schemas.microsoft.com/office/powerpoint/2010/main" val="4030606103"/>
       </p:ext>
     </p:extLst>
   </p:cSld>
@@ -4632,13 +4743,13 @@
         </p:nvSpPr>
         <p:spPr>
           <a:xfrm>
-            <a:off x="838200" y="953518"/>
+            <a:off x="838200" y="547095"/>
             <a:ext cx="10515600" cy="1285458"/>
           </a:xfrm>
         </p:spPr>
         <p:txBody>
           <a:bodyPr>
-            <a:normAutofit fontScale="90000"/>
+            <a:normAutofit/>
           </a:bodyPr>
           <a:lstStyle/>
           <a:p>
@@ -4648,16 +4759,14 @@
                 <a:solidFill>
                   <a:schemeClr val="bg1"/>
                 </a:solidFill>
-                <a:ea typeface="+mj-lt"/>
-                <a:cs typeface="+mj-lt"/>
-              </a:rPr>
-              <a:t>Provisioned Manual Throughput on Database</a:t>
+                <a:cs typeface="Calibri Light"/>
+              </a:rPr>
+              <a:t>Physical Partitioning</a:t>
             </a:r>
             <a:endParaRPr lang="en-US" dirty="0">
               <a:solidFill>
                 <a:schemeClr val="bg1"/>
               </a:solidFill>
-              <a:cs typeface="Calibri Light"/>
             </a:endParaRPr>
           </a:p>
         </p:txBody>
@@ -4680,8 +4789,8 @@
         </p:nvSpPr>
         <p:spPr>
           <a:xfrm>
-            <a:off x="693114" y="2792281"/>
-            <a:ext cx="10966784" cy="2807876"/>
+            <a:off x="737938" y="2086310"/>
+            <a:ext cx="10966784" cy="4231022"/>
           </a:xfrm>
         </p:spPr>
         <p:txBody>
@@ -4698,9 +4807,45 @@
                 <a:ea typeface="+mn-lt"/>
                 <a:cs typeface="+mn-lt"/>
               </a:rPr>
-              <a:t>the throughput is shared across all the containers</a:t>
+              <a:t>entirely auto-managed by Cosmos DB cannot control them, so do not focus</a:t>
             </a:r>
             <a:endParaRPr lang="en-US">
+              <a:solidFill>
+                <a:schemeClr val="bg1"/>
+              </a:solidFill>
+              <a:cs typeface="Calibri"/>
+            </a:endParaRPr>
+          </a:p>
+          <a:p>
+            <a:r>
+              <a:rPr lang="en-US" sz="3200" dirty="0">
+                <a:solidFill>
+                  <a:schemeClr val="bg1"/>
+                </a:solidFill>
+                <a:ea typeface="+mn-lt"/>
+                <a:cs typeface="+mn-lt"/>
+              </a:rPr>
+              <a:t>one or more logical partitions are mapped to a single physical partition</a:t>
+            </a:r>
+            <a:endParaRPr lang="en-US">
+              <a:solidFill>
+                <a:schemeClr val="bg1"/>
+              </a:solidFill>
+              <a:cs typeface="Calibri"/>
+            </a:endParaRPr>
+          </a:p>
+          <a:p>
+            <a:r>
+              <a:rPr lang="en-US" sz="3200" dirty="0">
+                <a:solidFill>
+                  <a:schemeClr val="bg1"/>
+                </a:solidFill>
+                <a:ea typeface="+mn-lt"/>
+                <a:cs typeface="+mn-lt"/>
+              </a:rPr>
+              <a:t>a physical partition can provide a throughput of up to 10 000 RU's, and up to 50GB of data</a:t>
+            </a:r>
+            <a:endParaRPr lang="en-US" dirty="0">
               <a:solidFill>
                 <a:schemeClr val="bg1"/>
               </a:solidFill>
@@ -4717,30 +4862,14 @@
                 <a:ea typeface="+mn-lt"/>
                 <a:cs typeface="+mn-lt"/>
               </a:rPr>
-              <a:t>you do not get predictable performance on any specific container because all containers share it</a:t>
+              <a:t>new physical partitions are auto-created by splitting existing ones when throughput or data size grows </a:t>
             </a:r>
             <a:endParaRPr lang="en-US">
               <a:solidFill>
                 <a:schemeClr val="bg1"/>
               </a:solidFill>
-              <a:cs typeface="Calibri"/>
-            </a:endParaRPr>
-          </a:p>
-          <a:p>
-            <a:r>
-              <a:rPr lang="en-US" sz="3200" dirty="0">
-                <a:solidFill>
-                  <a:schemeClr val="bg1"/>
-                </a:solidFill>
-                <a:ea typeface="+mn-lt"/>
-                <a:cs typeface="+mn-lt"/>
-              </a:rPr>
-              <a:t>an exception is if you specified a provisioned throughput on specific containers</a:t>
-            </a:r>
-            <a:endParaRPr lang="en-US" dirty="0">
-              <a:solidFill>
-                <a:schemeClr val="bg1"/>
-              </a:solidFill>
+              <a:ea typeface="+mn-lt"/>
+              <a:cs typeface="+mn-lt"/>
             </a:endParaRPr>
           </a:p>
         </p:txBody>
@@ -4748,7 +4877,7 @@
     </p:spTree>
     <p:extLst>
       <p:ext uri="{BB962C8B-B14F-4D97-AF65-F5344CB8AC3E}">
-        <p14:creationId xmlns:p14="http://schemas.microsoft.com/office/powerpoint/2010/main" val="1447288111"/>
+        <p14:creationId xmlns:p14="http://schemas.microsoft.com/office/powerpoint/2010/main" val="1884393021"/>
       </p:ext>
     </p:extLst>
   </p:cSld>
@@ -4793,13 +4922,13 @@
         </p:nvSpPr>
         <p:spPr>
           <a:xfrm>
-            <a:off x="838200" y="964891"/>
-            <a:ext cx="10515600" cy="1285458"/>
+            <a:off x="838200" y="365125"/>
+            <a:ext cx="10515600" cy="1134464"/>
           </a:xfrm>
         </p:spPr>
         <p:txBody>
           <a:bodyPr>
-            <a:normAutofit fontScale="90000"/>
+            <a:normAutofit/>
           </a:bodyPr>
           <a:lstStyle/>
           <a:p>
@@ -4809,107 +4938,46 @@
                 <a:solidFill>
                   <a:schemeClr val="bg1"/>
                 </a:solidFill>
-                <a:ea typeface="+mj-lt"/>
-                <a:cs typeface="+mj-lt"/>
-              </a:rPr>
-              <a:t>Provisioned Manual Throughput on Container</a:t>
-            </a:r>
-            <a:endParaRPr lang="en-US" dirty="0">
-              <a:solidFill>
-                <a:schemeClr val="bg1"/>
-              </a:solidFill>
-              <a:cs typeface="Calibri Light"/>
-            </a:endParaRPr>
-          </a:p>
-        </p:txBody>
-      </p:sp>
-      <p:sp>
-        <p:nvSpPr>
-          <p:cNvPr id="3" name="Content Placeholder 2">
+                <a:cs typeface="Calibri Light"/>
+              </a:rPr>
+              <a:t>Partitioning</a:t>
+            </a:r>
+          </a:p>
+        </p:txBody>
+      </p:sp>
+      <p:pic>
+        <p:nvPicPr>
+          <p:cNvPr id="7" name="Picture 7" descr="Diagram&#10;&#10;Description automatically generated">
             <a:extLst>
               <a:ext uri="{FF2B5EF4-FFF2-40B4-BE49-F238E27FC236}">
-                <a16:creationId xmlns:a16="http://schemas.microsoft.com/office/drawing/2014/main" id="{61C48129-CCEE-42FF-A5E3-0C1613754A6E}"/>
+                <a16:creationId xmlns:a16="http://schemas.microsoft.com/office/drawing/2014/main" id="{07C018C7-DAA0-C961-A363-47820C14E517}"/>
               </a:ext>
             </a:extLst>
           </p:cNvPr>
-          <p:cNvSpPr>
-            <a:spLocks noGrp="1"/>
-          </p:cNvSpPr>
+          <p:cNvPicPr>
+            <a:picLocks noGrp="1" noChangeAspect="1"/>
+          </p:cNvPicPr>
           <p:nvPr>
             <p:ph idx="1"/>
           </p:nvPr>
-        </p:nvSpPr>
-        <p:spPr>
-          <a:xfrm>
-            <a:off x="693114" y="2792281"/>
-            <a:ext cx="10966784" cy="2807876"/>
-          </a:xfrm>
-        </p:spPr>
-        <p:txBody>
-          <a:bodyPr vert="horz" lIns="91440" tIns="45720" rIns="91440" bIns="45720" rtlCol="0" anchor="t">
-            <a:noAutofit/>
-          </a:bodyPr>
-          <a:lstStyle/>
-          <a:p>
-            <a:r>
-              <a:rPr lang="en-US" sz="3200" dirty="0">
-                <a:solidFill>
-                  <a:schemeClr val="bg1"/>
-                </a:solidFill>
-                <a:ea typeface="+mn-lt"/>
-                <a:cs typeface="+mn-lt"/>
-              </a:rPr>
-              <a:t>it is exclusively reserved for that container</a:t>
-            </a:r>
-            <a:endParaRPr lang="en-US">
-              <a:solidFill>
-                <a:schemeClr val="bg1"/>
-              </a:solidFill>
-              <a:ea typeface="+mn-lt"/>
-              <a:cs typeface="+mn-lt"/>
-            </a:endParaRPr>
-          </a:p>
-          <a:p>
-            <a:r>
-              <a:rPr lang="en-US" sz="3200" dirty="0">
-                <a:solidFill>
-                  <a:schemeClr val="bg1"/>
-                </a:solidFill>
-                <a:ea typeface="+mn-lt"/>
-                <a:cs typeface="+mn-lt"/>
-              </a:rPr>
-              <a:t>it is evenly distributed among its logical and physical partitions</a:t>
-            </a:r>
-            <a:endParaRPr lang="en-US">
-              <a:solidFill>
-                <a:schemeClr val="bg1"/>
-              </a:solidFill>
-              <a:cs typeface="Calibri"/>
-            </a:endParaRPr>
-          </a:p>
-          <a:p>
-            <a:r>
-              <a:rPr lang="en-US" sz="3200" dirty="0">
-                <a:solidFill>
-                  <a:schemeClr val="bg1"/>
-                </a:solidFill>
-                <a:ea typeface="+mn-lt"/>
-                <a:cs typeface="+mn-lt"/>
-              </a:rPr>
-              <a:t>if logical partition consumes more than the throughput that was allocated, it's possible that your operations will be rate-limited</a:t>
-            </a:r>
-            <a:endParaRPr lang="en-US" dirty="0">
-              <a:solidFill>
-                <a:schemeClr val="bg1"/>
-              </a:solidFill>
-            </a:endParaRPr>
-          </a:p>
-        </p:txBody>
-      </p:sp>
+        </p:nvPicPr>
+        <p:blipFill>
+          <a:blip r:embed="rId2"/>
+          <a:stretch>
+            <a:fillRect/>
+          </a:stretch>
+        </p:blipFill>
+        <p:spPr>
+          <a:xfrm>
+            <a:off x="1343711" y="1711893"/>
+            <a:ext cx="9504577" cy="4419577"/>
+          </a:xfrm>
+        </p:spPr>
+      </p:pic>
     </p:spTree>
     <p:extLst>
       <p:ext uri="{BB962C8B-B14F-4D97-AF65-F5344CB8AC3E}">
-        <p14:creationId xmlns:p14="http://schemas.microsoft.com/office/powerpoint/2010/main" val="2515554079"/>
+        <p14:creationId xmlns:p14="http://schemas.microsoft.com/office/powerpoint/2010/main" val="3373178967"/>
       </p:ext>
     </p:extLst>
   </p:cSld>
@@ -5016,7 +5084,7 @@
         </p:spPr>
         <p:txBody>
           <a:bodyPr vert="horz" lIns="91440" tIns="45720" rIns="91440" bIns="45720" rtlCol="0" anchor="t">
-            <a:normAutofit/>
+            <a:normAutofit fontScale="92500" lnSpcReduction="20000"/>
           </a:bodyPr>
           <a:lstStyle/>
           <a:p>
@@ -5055,12 +5123,13 @@
                 </a:solidFill>
                 <a:cs typeface="Calibri"/>
               </a:rPr>
-              <a:t>developer with 8 years of experience in .NET tech stack</a:t>
-            </a:r>
-            <a:endParaRPr lang="en-US" dirty="0">
-              <a:solidFill>
-                <a:schemeClr val="bg1"/>
-              </a:solidFill>
+              <a:t>developer with 8 years of experience in .NET tech stack – MVC, Web API, .NET Framework, .NET Core, MS SQL, Microsoft Service Bus, Cosmos DB</a:t>
+            </a:r>
+            <a:endParaRPr lang="en-US" sz="3200" dirty="0">
+              <a:solidFill>
+                <a:schemeClr val="bg1"/>
+              </a:solidFill>
+              <a:ea typeface="Calibri"/>
               <a:cs typeface="Calibri" panose="020F0502020204030204"/>
             </a:endParaRPr>
           </a:p>
@@ -5195,8 +5264,8 @@
         </p:nvSpPr>
         <p:spPr>
           <a:xfrm>
-            <a:off x="838200" y="964891"/>
-            <a:ext cx="10515600" cy="1285458"/>
+            <a:off x="838200" y="365125"/>
+            <a:ext cx="10515600" cy="1816852"/>
           </a:xfrm>
         </p:spPr>
         <p:txBody>
@@ -5211,17 +5280,10 @@
                 <a:solidFill>
                   <a:schemeClr val="bg1"/>
                 </a:solidFill>
-                <a:ea typeface="+mj-lt"/>
-                <a:cs typeface="+mj-lt"/>
-              </a:rPr>
-              <a:t>Provisioned Autoscale Throughput</a:t>
-            </a:r>
-            <a:endParaRPr lang="en-US" dirty="0">
-              <a:solidFill>
-                <a:schemeClr val="bg1"/>
-              </a:solidFill>
-              <a:cs typeface="Calibri Light"/>
-            </a:endParaRPr>
+                <a:cs typeface="Calibri Light"/>
+              </a:rPr>
+              <a:t>Supported APIs</a:t>
+            </a:r>
           </a:p>
         </p:txBody>
       </p:sp>
@@ -5243,8 +5305,8 @@
         </p:nvSpPr>
         <p:spPr>
           <a:xfrm>
-            <a:off x="693114" y="2792281"/>
-            <a:ext cx="10966784" cy="2807876"/>
+            <a:off x="838200" y="2457283"/>
+            <a:ext cx="10676022" cy="2957681"/>
           </a:xfrm>
         </p:spPr>
         <p:txBody>
@@ -5261,80 +5323,83 @@
                 <a:ea typeface="+mn-lt"/>
                 <a:cs typeface="+mn-lt"/>
               </a:rPr>
-              <a:t>throughput is scaled based on the usage</a:t>
-            </a:r>
-            <a:endParaRPr lang="en-US" dirty="0">
+              <a:t>SQL(Core) API – native for Cosmos DB</a:t>
+            </a:r>
+          </a:p>
+          <a:p>
+            <a:r>
+              <a:rPr lang="en-US" sz="3200" dirty="0">
+                <a:solidFill>
+                  <a:schemeClr val="bg1"/>
+                </a:solidFill>
+                <a:ea typeface="+mn-lt"/>
+                <a:cs typeface="+mn-lt"/>
+              </a:rPr>
+              <a:t>Mongo DB API</a:t>
+            </a:r>
+            <a:endParaRPr lang="en-US" sz="3200" dirty="0">
+              <a:solidFill>
+                <a:schemeClr val="bg1"/>
+              </a:solidFill>
+              <a:cs typeface="Calibri"/>
+            </a:endParaRPr>
+          </a:p>
+          <a:p>
+            <a:r>
+              <a:rPr lang="en-US" sz="3200" dirty="0">
+                <a:solidFill>
+                  <a:schemeClr val="bg1"/>
+                </a:solidFill>
+                <a:ea typeface="+mn-lt"/>
+                <a:cs typeface="+mn-lt"/>
+              </a:rPr>
+              <a:t>Cassandra API</a:t>
+            </a:r>
+            <a:endParaRPr lang="en-US" sz="3200" dirty="0">
+              <a:solidFill>
+                <a:schemeClr val="bg1"/>
+              </a:solidFill>
+              <a:cs typeface="Calibri"/>
+            </a:endParaRPr>
+          </a:p>
+          <a:p>
+            <a:r>
+              <a:rPr lang="en-US" sz="3200" dirty="0">
+                <a:solidFill>
+                  <a:schemeClr val="bg1"/>
+                </a:solidFill>
+                <a:ea typeface="+mn-lt"/>
+                <a:cs typeface="+mn-lt"/>
+              </a:rPr>
+              <a:t>Gremlin API – graph structured</a:t>
+            </a:r>
+          </a:p>
+          <a:p>
+            <a:pPr>
+              <a:buFont typeface="Arial"/>
+              <a:buChar char="•"/>
+            </a:pPr>
+            <a:r>
+              <a:rPr lang="en-US" sz="3200" dirty="0">
+                <a:solidFill>
+                  <a:schemeClr val="bg1"/>
+                </a:solidFill>
+                <a:ea typeface="+mn-lt"/>
+                <a:cs typeface="+mn-lt"/>
+              </a:rPr>
+              <a:t>Table API – key/value</a:t>
+            </a:r>
+          </a:p>
+          <a:p>
+            <a:pPr marL="0" indent="0">
+              <a:buNone/>
+            </a:pPr>
+            <a:endParaRPr lang="en-US" sz="3200" dirty="0">
               <a:solidFill>
                 <a:schemeClr val="bg1"/>
               </a:solidFill>
               <a:ea typeface="+mn-lt"/>
               <a:cs typeface="+mn-lt"/>
-            </a:endParaRPr>
-          </a:p>
-          <a:p>
-            <a:r>
-              <a:rPr lang="en-US" sz="3200" dirty="0">
-                <a:solidFill>
-                  <a:schemeClr val="bg1"/>
-                </a:solidFill>
-                <a:ea typeface="+mn-lt"/>
-                <a:cs typeface="+mn-lt"/>
-              </a:rPr>
-              <a:t>databases and containers automatically scale the provisioned throughput as needed</a:t>
-            </a:r>
-            <a:endParaRPr lang="en-US" dirty="0">
-              <a:solidFill>
-                <a:schemeClr val="bg1"/>
-              </a:solidFill>
-              <a:ea typeface="+mn-lt"/>
-              <a:cs typeface="+mn-lt"/>
-            </a:endParaRPr>
-          </a:p>
-          <a:p>
-            <a:r>
-              <a:rPr lang="en-US" sz="3200" dirty="0">
-                <a:solidFill>
-                  <a:schemeClr val="bg1"/>
-                </a:solidFill>
-                <a:ea typeface="+mn-lt"/>
-                <a:cs typeface="+mn-lt"/>
-              </a:rPr>
-              <a:t>range is between max set RUs and 10% of max:</a:t>
-            </a:r>
-            <a:br>
-              <a:rPr lang="en-US" sz="3200" dirty="0">
-                <a:solidFill>
-                  <a:schemeClr val="bg1"/>
-                </a:solidFill>
-                <a:ea typeface="+mn-lt"/>
-                <a:cs typeface="+mn-lt"/>
-              </a:rPr>
-            </a:br>
-            <a:r>
-              <a:rPr lang="en-US" sz="3200" dirty="0">
-                <a:solidFill>
-                  <a:schemeClr val="bg1"/>
-                </a:solidFill>
-                <a:ea typeface="+mn-lt"/>
-                <a:cs typeface="+mn-lt"/>
-              </a:rPr>
-              <a:t>for example 400 - 4000 RU's</a:t>
-            </a:r>
-            <a:endParaRPr lang="en-US" dirty="0">
-              <a:solidFill>
-                <a:schemeClr val="bg1"/>
-              </a:solidFill>
-              <a:ea typeface="+mn-lt"/>
-              <a:cs typeface="+mn-lt"/>
-            </a:endParaRPr>
-          </a:p>
-          <a:p>
-            <a:endParaRPr lang="en-US" sz="3200" dirty="0">
-              <a:solidFill>
-                <a:schemeClr val="bg1"/>
-              </a:solidFill>
-              <a:ea typeface="Calibri"/>
-              <a:cs typeface="Calibri"/>
             </a:endParaRPr>
           </a:p>
         </p:txBody>
@@ -5342,7 +5407,7 @@
     </p:spTree>
     <p:extLst>
       <p:ext uri="{BB962C8B-B14F-4D97-AF65-F5344CB8AC3E}">
-        <p14:creationId xmlns:p14="http://schemas.microsoft.com/office/powerpoint/2010/main" val="3410034518"/>
+        <p14:creationId xmlns:p14="http://schemas.microsoft.com/office/powerpoint/2010/main" val="478396341"/>
       </p:ext>
     </p:extLst>
   </p:cSld>
@@ -5454,7 +5519,7 @@
                 <a:ea typeface="+mn-lt"/>
                 <a:cs typeface="+mn-lt"/>
               </a:rPr>
-              <a:t>It is native to Azure Cosmos DB.</a:t>
+              <a:t>It is native to Cosmos DB.</a:t>
             </a:r>
             <a:br>
               <a:rPr lang="en-US" sz="3200" dirty="0">
@@ -7462,10 +7527,10 @@
       </p:sp>
       <p:pic>
         <p:nvPicPr>
-          <p:cNvPr id="2" name="Picture 4" descr="Diagram&#10;&#10;Description automatically generated">
+          <p:cNvPr id="7" name="Picture 7" descr="Text&#10;&#10;Description automatically generated">
             <a:extLst>
               <a:ext uri="{FF2B5EF4-FFF2-40B4-BE49-F238E27FC236}">
-                <a16:creationId xmlns:a16="http://schemas.microsoft.com/office/drawing/2014/main" id="{28184051-30BF-2B72-20DE-5BBC4FF24FFE}"/>
+                <a16:creationId xmlns:a16="http://schemas.microsoft.com/office/drawing/2014/main" id="{B379AA51-5800-0E07-739E-06470358BE1F}"/>
               </a:ext>
             </a:extLst>
           </p:cNvPr>
@@ -7482,8 +7547,8 @@
         </p:blipFill>
         <p:spPr>
           <a:xfrm>
-            <a:off x="855785" y="3900186"/>
-            <a:ext cx="4215098" cy="2437780"/>
+            <a:off x="6320041" y="3899702"/>
+            <a:ext cx="4358377" cy="2477826"/>
           </a:xfrm>
           <a:prstGeom prst="rect">
             <a:avLst/>
@@ -7492,10 +7557,10 @@
       </p:pic>
       <p:pic>
         <p:nvPicPr>
-          <p:cNvPr id="7" name="Picture 7" descr="Text&#10;&#10;Description automatically generated">
+          <p:cNvPr id="5" name="Picture 7" descr="Diagram&#10;&#10;Description automatically generated">
             <a:extLst>
               <a:ext uri="{FF2B5EF4-FFF2-40B4-BE49-F238E27FC236}">
-                <a16:creationId xmlns:a16="http://schemas.microsoft.com/office/drawing/2014/main" id="{B379AA51-5800-0E07-739E-06470358BE1F}"/>
+                <a16:creationId xmlns:a16="http://schemas.microsoft.com/office/drawing/2014/main" id="{C9A949C3-9FF8-CC86-3151-9FF12ADB253B}"/>
               </a:ext>
             </a:extLst>
           </p:cNvPr>
@@ -7512,8 +7577,8 @@
         </p:blipFill>
         <p:spPr>
           <a:xfrm>
-            <a:off x="6320041" y="3899702"/>
-            <a:ext cx="4358377" cy="2477826"/>
+            <a:off x="865238" y="3902285"/>
+            <a:ext cx="4316564" cy="2482530"/>
           </a:xfrm>
           <a:prstGeom prst="rect">
             <a:avLst/>
@@ -8273,7 +8338,7 @@
                 </a:solidFill>
                 <a:cs typeface="Calibri Light"/>
               </a:rPr>
-              <a:t>Supported APIs</a:t>
+              <a:t>Hierarchy</a:t>
             </a:r>
           </a:p>
         </p:txBody>
@@ -8297,7 +8362,7 @@
         <p:spPr>
           <a:xfrm>
             <a:off x="838200" y="2457283"/>
-            <a:ext cx="10676022" cy="2957681"/>
+            <a:ext cx="10676022" cy="2446340"/>
           </a:xfrm>
         </p:spPr>
         <p:txBody>
@@ -8314,7 +8379,18 @@
                 <a:ea typeface="+mn-lt"/>
                 <a:cs typeface="+mn-lt"/>
               </a:rPr>
-              <a:t>SQL(Core) API – native for Cosmos DB</a:t>
+              <a:t>DB account</a:t>
+            </a:r>
+          </a:p>
+          <a:p>
+            <a:r>
+              <a:rPr lang="en-US" sz="3200" dirty="0">
+                <a:solidFill>
+                  <a:schemeClr val="bg1"/>
+                </a:solidFill>
+                <a:cs typeface="Calibri"/>
+              </a:rPr>
+              <a:t>databases</a:t>
             </a:r>
           </a:p>
           <a:p>
@@ -8326,7 +8402,7 @@
                 <a:ea typeface="+mn-lt"/>
                 <a:cs typeface="+mn-lt"/>
               </a:rPr>
-              <a:t>Mongo DB API</a:t>
+              <a:t>containers/collections</a:t>
             </a:r>
             <a:endParaRPr lang="en-US" sz="3200" dirty="0">
               <a:solidFill>
@@ -8344,61 +8420,45 @@
                 <a:ea typeface="+mn-lt"/>
                 <a:cs typeface="+mn-lt"/>
               </a:rPr>
-              <a:t>Cassandra API</a:t>
-            </a:r>
-            <a:endParaRPr lang="en-US" sz="3200" dirty="0">
-              <a:solidFill>
-                <a:schemeClr val="bg1"/>
-              </a:solidFill>
-              <a:cs typeface="Calibri"/>
-            </a:endParaRPr>
-          </a:p>
-          <a:p>
-            <a:r>
-              <a:rPr lang="en-US" sz="3200" dirty="0">
-                <a:solidFill>
-                  <a:schemeClr val="bg1"/>
-                </a:solidFill>
-                <a:ea typeface="+mn-lt"/>
-                <a:cs typeface="+mn-lt"/>
-              </a:rPr>
-              <a:t>Gremlin API – graph structured</a:t>
-            </a:r>
-          </a:p>
-          <a:p>
-            <a:pPr>
-              <a:buFont typeface="Arial"/>
-              <a:buChar char="•"/>
-            </a:pPr>
-            <a:r>
-              <a:rPr lang="en-US" sz="3200" dirty="0">
-                <a:solidFill>
-                  <a:schemeClr val="bg1"/>
-                </a:solidFill>
-                <a:ea typeface="+mn-lt"/>
-                <a:cs typeface="+mn-lt"/>
-              </a:rPr>
-              <a:t>Table API – key/value</a:t>
-            </a:r>
-          </a:p>
-          <a:p>
-            <a:pPr marL="0" indent="0">
-              <a:buNone/>
-            </a:pPr>
-            <a:endParaRPr lang="en-US" sz="3200" dirty="0">
-              <a:solidFill>
-                <a:schemeClr val="bg1"/>
-              </a:solidFill>
-              <a:ea typeface="+mn-lt"/>
-              <a:cs typeface="+mn-lt"/>
-            </a:endParaRPr>
-          </a:p>
-        </p:txBody>
-      </p:sp>
+              <a:t>documents/items</a:t>
+            </a:r>
+          </a:p>
+        </p:txBody>
+      </p:sp>
+      <p:pic>
+        <p:nvPicPr>
+          <p:cNvPr id="4" name="Picture 4" descr="Diagram&#10;&#10;Description automatically generated">
+            <a:extLst>
+              <a:ext uri="{FF2B5EF4-FFF2-40B4-BE49-F238E27FC236}">
+                <a16:creationId xmlns:a16="http://schemas.microsoft.com/office/drawing/2014/main" id="{3A87B16F-AF70-27F9-7BE1-6EE6A3875DDE}"/>
+              </a:ext>
+            </a:extLst>
+          </p:cNvPr>
+          <p:cNvPicPr>
+            <a:picLocks noChangeAspect="1"/>
+          </p:cNvPicPr>
+          <p:nvPr/>
+        </p:nvPicPr>
+        <p:blipFill>
+          <a:blip r:embed="rId2"/>
+          <a:stretch>
+            <a:fillRect/>
+          </a:stretch>
+        </p:blipFill>
+        <p:spPr>
+          <a:xfrm>
+            <a:off x="6176761" y="2418895"/>
+            <a:ext cx="5107351" cy="3179491"/>
+          </a:xfrm>
+          <a:prstGeom prst="rect">
+            <a:avLst/>
+          </a:prstGeom>
+        </p:spPr>
+      </p:pic>
     </p:spTree>
     <p:extLst>
       <p:ext uri="{BB962C8B-B14F-4D97-AF65-F5344CB8AC3E}">
-        <p14:creationId xmlns:p14="http://schemas.microsoft.com/office/powerpoint/2010/main" val="478396341"/>
+        <p14:creationId xmlns:p14="http://schemas.microsoft.com/office/powerpoint/2010/main" val="1082046255"/>
       </p:ext>
     </p:extLst>
   </p:cSld>
@@ -8459,14 +8519,16 @@
                 <a:solidFill>
                   <a:schemeClr val="bg1"/>
                 </a:solidFill>
-                <a:cs typeface="Calibri Light"/>
-              </a:rPr>
-              <a:t>Consistency Levels</a:t>
-            </a:r>
-            <a:endParaRPr lang="en-US" dirty="0">
-              <a:solidFill>
-                <a:schemeClr val="bg1"/>
-              </a:solidFill>
+                <a:ea typeface="+mj-lt"/>
+                <a:cs typeface="+mj-lt"/>
+              </a:rPr>
+              <a:t>Request Units</a:t>
+            </a:r>
+            <a:endParaRPr lang="en-US">
+              <a:solidFill>
+                <a:schemeClr val="bg1"/>
+              </a:solidFill>
+              <a:cs typeface="Calibri Light"/>
             </a:endParaRPr>
           </a:p>
         </p:txBody>
@@ -8489,8 +8551,8 @@
         </p:nvSpPr>
         <p:spPr>
           <a:xfrm>
-            <a:off x="838200" y="3431034"/>
-            <a:ext cx="10676022" cy="2787234"/>
+            <a:off x="838200" y="2397124"/>
+            <a:ext cx="10799286" cy="2439853"/>
           </a:xfrm>
         </p:spPr>
         <p:txBody>
@@ -8507,21 +8569,13 @@
                 <a:ea typeface="+mn-lt"/>
                 <a:cs typeface="+mn-lt"/>
               </a:rPr>
-              <a:t>strong</a:t>
-            </a:r>
-          </a:p>
-          <a:p>
-            <a:r>
-              <a:rPr lang="en-US" sz="3200" dirty="0">
-                <a:solidFill>
-                  <a:schemeClr val="bg1"/>
-                </a:solidFill>
-                <a:cs typeface="Calibri"/>
-              </a:rPr>
-              <a:t>bounded staleness</a:t>
-            </a:r>
-          </a:p>
-          <a:p>
+              <a:t>it is Cosmos DB currency that abstracts physical resources (CPU, Memory, IOPS) for performing requests</a:t>
+            </a:r>
+          </a:p>
+          <a:p>
+            <a:pPr>
+              <a:buFont typeface="Arial"/>
+            </a:pPr>
             <a:r>
               <a:rPr lang="en-US" sz="3200" dirty="0">
                 <a:solidFill>
@@ -8530,13 +8584,13 @@
                 <a:ea typeface="+mn-lt"/>
                 <a:cs typeface="+mn-lt"/>
               </a:rPr>
-              <a:t>session - default level</a:t>
-            </a:r>
-            <a:endParaRPr lang="en-US" sz="3200" dirty="0">
-              <a:solidFill>
-                <a:schemeClr val="bg1"/>
-              </a:solidFill>
-              <a:cs typeface="Calibri"/>
+              <a:t>1RU = 1kb read document</a:t>
+            </a:r>
+            <a:endParaRPr lang="en-US">
+              <a:solidFill>
+                <a:schemeClr val="bg1"/>
+              </a:solidFill>
+              <a:cs typeface="Calibri" panose="020F0502020204030204"/>
             </a:endParaRPr>
           </a:p>
           <a:p>
@@ -8548,24 +8602,14 @@
                 <a:ea typeface="+mn-lt"/>
                 <a:cs typeface="+mn-lt"/>
               </a:rPr>
-              <a:t>consistent prefix</a:t>
-            </a:r>
-          </a:p>
-          <a:p>
-            <a:pPr>
-              <a:buFont typeface="Arial"/>
-              <a:buChar char="•"/>
-            </a:pPr>
-            <a:r>
-              <a:rPr lang="en-US" sz="3200" dirty="0">
-                <a:solidFill>
-                  <a:schemeClr val="bg1"/>
-                </a:solidFill>
-                <a:ea typeface="+mn-lt"/>
-                <a:cs typeface="+mn-lt"/>
-              </a:rPr>
-              <a:t>eventual</a:t>
-            </a:r>
+              <a:t>same operation will cost always same amount of request units </a:t>
+            </a:r>
+            <a:endParaRPr lang="en-US">
+              <a:solidFill>
+                <a:schemeClr val="bg1"/>
+              </a:solidFill>
+              <a:cs typeface="Calibri" panose="020F0502020204030204"/>
+            </a:endParaRPr>
           </a:p>
           <a:p>
             <a:pPr marL="0" indent="0">
@@ -8581,90 +8625,10 @@
           </a:p>
         </p:txBody>
       </p:sp>
-      <p:sp>
-        <p:nvSpPr>
-          <p:cNvPr id="5" name="TextBox 4">
-            <a:extLst>
-              <a:ext uri="{FF2B5EF4-FFF2-40B4-BE49-F238E27FC236}">
-                <a16:creationId xmlns:a16="http://schemas.microsoft.com/office/drawing/2014/main" id="{5AC502EC-68FA-4840-9FEE-247CF1A2ECAC}"/>
-              </a:ext>
-            </a:extLst>
-          </p:cNvPr>
-          <p:cNvSpPr txBox="1"/>
-          <p:nvPr/>
-        </p:nvSpPr>
-        <p:spPr>
-          <a:xfrm>
-            <a:off x="862748" y="1902484"/>
-            <a:ext cx="10152819" cy="1077218"/>
-          </a:xfrm>
-          <a:prstGeom prst="rect">
-            <a:avLst/>
-          </a:prstGeom>
-          <a:noFill/>
-        </p:spPr>
-        <p:txBody>
-          <a:bodyPr rot="0" spcFirstLastPara="0" vertOverflow="overflow" horzOverflow="overflow" vert="horz" wrap="square" lIns="91440" tIns="45720" rIns="91440" bIns="45720" numCol="1" spcCol="0" rtlCol="0" fromWordArt="0" anchor="t" anchorCtr="0" forceAA="0" compatLnSpc="1">
-            <a:prstTxWarp prst="textNoShape">
-              <a:avLst/>
-            </a:prstTxWarp>
-            <a:spAutoFit/>
-          </a:bodyPr>
-          <a:lstStyle/>
-          <a:p>
-            <a:r>
-              <a:rPr lang="en-US" sz="3200" dirty="0">
-                <a:solidFill>
-                  <a:schemeClr val="bg1"/>
-                </a:solidFill>
-                <a:ea typeface="+mn-lt"/>
-                <a:cs typeface="+mn-lt"/>
-              </a:rPr>
-              <a:t>Consistency describes the uniformity of data in a distributed database. It's a contract how and when data is replicated.</a:t>
-            </a:r>
-            <a:endParaRPr lang="en-US">
-              <a:solidFill>
-                <a:schemeClr val="bg1"/>
-              </a:solidFill>
-              <a:cs typeface="Calibri" panose="020F0502020204030204"/>
-            </a:endParaRPr>
-          </a:p>
-        </p:txBody>
-      </p:sp>
-      <p:pic>
-        <p:nvPicPr>
-          <p:cNvPr id="7" name="Picture 7" descr="A picture containing text, indoor&#10;&#10;Description automatically generated">
-            <a:extLst>
-              <a:ext uri="{FF2B5EF4-FFF2-40B4-BE49-F238E27FC236}">
-                <a16:creationId xmlns:a16="http://schemas.microsoft.com/office/drawing/2014/main" id="{F4B7876F-7D17-120E-6E00-939B9B4708D9}"/>
-              </a:ext>
-            </a:extLst>
-          </p:cNvPr>
-          <p:cNvPicPr>
-            <a:picLocks noChangeAspect="1"/>
-          </p:cNvPicPr>
-          <p:nvPr/>
-        </p:nvPicPr>
-        <p:blipFill>
-          <a:blip r:embed="rId2"/>
-          <a:stretch>
-            <a:fillRect/>
-          </a:stretch>
-        </p:blipFill>
-        <p:spPr>
-          <a:xfrm>
-            <a:off x="6176759" y="3484785"/>
-            <a:ext cx="4045764" cy="2734535"/>
-          </a:xfrm>
-          <a:prstGeom prst="rect">
-            <a:avLst/>
-          </a:prstGeom>
-        </p:spPr>
-      </p:pic>
     </p:spTree>
     <p:extLst>
       <p:ext uri="{BB962C8B-B14F-4D97-AF65-F5344CB8AC3E}">
-        <p14:creationId xmlns:p14="http://schemas.microsoft.com/office/powerpoint/2010/main" val="2413449506"/>
+        <p14:creationId xmlns:p14="http://schemas.microsoft.com/office/powerpoint/2010/main" val="876756418"/>
       </p:ext>
     </p:extLst>
   </p:cSld>

--- a/Cosmos DB for C# developers.pptx
+++ b/Cosmos DB for C# developers.pptx
@@ -145,6 +145,7 @@
     <p1510:client id="{1920ABBF-50F9-49FB-9678-9FCD924D490F}" v="37" dt="2022-03-25T19:23:18.466"/>
     <p1510:client id="{3068E453-B052-4D6F-9E39-1C46E62C0E6D}" v="2055" dt="2022-02-24T22:54:38.840"/>
     <p1510:client id="{31792FE7-1FD2-4EED-8148-1BCE3AC3737E}" v="44" dt="2022-03-27T20:32:09.041"/>
+    <p1510:client id="{38BBD285-B5F2-43B6-A1CE-3027A7CDF8C5}" v="78" dt="2022-03-29T07:14:16.715"/>
     <p1510:client id="{3FF5C8CB-CCD1-4753-9E84-23E5A280435A}" v="6" dt="2022-03-27T13:21:12.129"/>
     <p1510:client id="{7C6BD868-296D-481F-A82A-D49E04B41DB1}" v="319" dt="2022-03-24T19:31:02.249"/>
     <p1510:client id="{8BB7848C-4022-4656-A5FC-F1EC1ABD5AD5}" v="28" dt="2022-03-25T21:12:09.064"/>
@@ -286,7 +287,7 @@
           <a:p>
             <a:fld id="{846CE7D5-CF57-46EF-B807-FDD0502418D4}" type="datetimeFigureOut">
               <a:rPr lang="en-US" smtClean="0"/>
-              <a:t>3/27/2022</a:t>
+              <a:t>3/29/2022</a:t>
             </a:fld>
             <a:endParaRPr lang="en-US"/>
           </a:p>
@@ -456,7 +457,7 @@
           <a:p>
             <a:fld id="{846CE7D5-CF57-46EF-B807-FDD0502418D4}" type="datetimeFigureOut">
               <a:rPr lang="en-US" smtClean="0"/>
-              <a:t>3/27/2022</a:t>
+              <a:t>3/29/2022</a:t>
             </a:fld>
             <a:endParaRPr lang="en-US"/>
           </a:p>
@@ -636,7 +637,7 @@
           <a:p>
             <a:fld id="{846CE7D5-CF57-46EF-B807-FDD0502418D4}" type="datetimeFigureOut">
               <a:rPr lang="en-US" smtClean="0"/>
-              <a:t>3/27/2022</a:t>
+              <a:t>3/29/2022</a:t>
             </a:fld>
             <a:endParaRPr lang="en-US"/>
           </a:p>
@@ -806,7 +807,7 @@
           <a:p>
             <a:fld id="{846CE7D5-CF57-46EF-B807-FDD0502418D4}" type="datetimeFigureOut">
               <a:rPr lang="en-US" smtClean="0"/>
-              <a:t>3/27/2022</a:t>
+              <a:t>3/29/2022</a:t>
             </a:fld>
             <a:endParaRPr lang="en-US"/>
           </a:p>
@@ -1052,7 +1053,7 @@
           <a:p>
             <a:fld id="{846CE7D5-CF57-46EF-B807-FDD0502418D4}" type="datetimeFigureOut">
               <a:rPr lang="en-US" smtClean="0"/>
-              <a:t>3/27/2022</a:t>
+              <a:t>3/29/2022</a:t>
             </a:fld>
             <a:endParaRPr lang="en-US"/>
           </a:p>
@@ -1284,7 +1285,7 @@
           <a:p>
             <a:fld id="{846CE7D5-CF57-46EF-B807-FDD0502418D4}" type="datetimeFigureOut">
               <a:rPr lang="en-US" smtClean="0"/>
-              <a:t>3/27/2022</a:t>
+              <a:t>3/29/2022</a:t>
             </a:fld>
             <a:endParaRPr lang="en-US"/>
           </a:p>
@@ -1651,7 +1652,7 @@
           <a:p>
             <a:fld id="{846CE7D5-CF57-46EF-B807-FDD0502418D4}" type="datetimeFigureOut">
               <a:rPr lang="en-US" smtClean="0"/>
-              <a:t>3/27/2022</a:t>
+              <a:t>3/29/2022</a:t>
             </a:fld>
             <a:endParaRPr lang="en-US"/>
           </a:p>
@@ -1769,7 +1770,7 @@
           <a:p>
             <a:fld id="{846CE7D5-CF57-46EF-B807-FDD0502418D4}" type="datetimeFigureOut">
               <a:rPr lang="en-US" smtClean="0"/>
-              <a:t>3/27/2022</a:t>
+              <a:t>3/29/2022</a:t>
             </a:fld>
             <a:endParaRPr lang="en-US"/>
           </a:p>
@@ -1864,7 +1865,7 @@
           <a:p>
             <a:fld id="{846CE7D5-CF57-46EF-B807-FDD0502418D4}" type="datetimeFigureOut">
               <a:rPr lang="en-US" smtClean="0"/>
-              <a:t>3/27/2022</a:t>
+              <a:t>3/29/2022</a:t>
             </a:fld>
             <a:endParaRPr lang="en-US"/>
           </a:p>
@@ -2141,7 +2142,7 @@
           <a:p>
             <a:fld id="{846CE7D5-CF57-46EF-B807-FDD0502418D4}" type="datetimeFigureOut">
               <a:rPr lang="en-US" smtClean="0"/>
-              <a:t>3/27/2022</a:t>
+              <a:t>3/29/2022</a:t>
             </a:fld>
             <a:endParaRPr lang="en-US"/>
           </a:p>
@@ -2398,7 +2399,7 @@
           <a:p>
             <a:fld id="{846CE7D5-CF57-46EF-B807-FDD0502418D4}" type="datetimeFigureOut">
               <a:rPr lang="en-US" smtClean="0"/>
-              <a:t>3/27/2022</a:t>
+              <a:t>3/29/2022</a:t>
             </a:fld>
             <a:endParaRPr lang="en-US"/>
           </a:p>
@@ -2618,7 +2619,7 @@
           <a:p>
             <a:fld id="{846CE7D5-CF57-46EF-B807-FDD0502418D4}" type="datetimeFigureOut">
               <a:rPr lang="en-US" smtClean="0"/>
-              <a:t>3/27/2022</a:t>
+              <a:t>3/29/2022</a:t>
             </a:fld>
             <a:endParaRPr lang="en-US"/>
           </a:p>
@@ -3208,6 +3209,25 @@
               </a:rPr>
               <a:t>provisioned(auto scale and manual) - a certain amount of throughput that is provisioned on your databases and containers, the cost of your database operations is calculated from the number of RUs available every second</a:t>
             </a:r>
+            <a:br>
+              <a:rPr lang="en-US" sz="3200" dirty="0">
+                <a:solidFill>
+                  <a:schemeClr val="bg1"/>
+                </a:solidFill>
+                <a:ea typeface="+mn-lt"/>
+                <a:cs typeface="+mn-lt"/>
+              </a:rPr>
+            </a:br>
+            <a:r>
+              <a:rPr lang="en-US" sz="3200" dirty="0">
+                <a:solidFill>
+                  <a:schemeClr val="bg1"/>
+                </a:solidFill>
+                <a:ea typeface="+mn-lt"/>
+                <a:cs typeface="+mn-lt"/>
+              </a:rPr>
+              <a:t>for example  400 RUs/s for 1 hour cost 0.008 USD</a:t>
+            </a:r>
           </a:p>
           <a:p>
             <a:r>
